--- a/Exámenes/Semana03/Examen Semana03.pptx
+++ b/Exámenes/Semana03/Examen Semana03.pptx
@@ -14,6 +14,8 @@
     <p:sldId id="262" r:id="rId8"/>
     <p:sldId id="263" r:id="rId9"/>
     <p:sldId id="264" r:id="rId10"/>
+    <p:sldId id="265" r:id="rId11"/>
+    <p:sldId id="266" r:id="rId12"/>
   </p:sldIdLst>
   <p:sldSz cx="12192000" cy="6858000"/>
   <p:notesSz cx="6858000" cy="9144000"/>
@@ -112,6 +114,11 @@
       </a:defRPr>
     </a:lvl9pPr>
   </p:defaultTextStyle>
+  <p:extLst>
+    <p:ext uri="{EFAFB233-063F-42B5-8137-9DF3F51BA10A}">
+      <p15:sldGuideLst xmlns:p15="http://schemas.microsoft.com/office/powerpoint/2012/main"/>
+    </p:ext>
+  </p:extLst>
 </p:presentation>
 </file>
 
@@ -306,7 +313,7 @@
           <a:p>
             <a:fld id="{ECBF2EEC-35D9-4299-9E74-3239A05EA468}" type="datetimeFigureOut">
               <a:rPr lang="es-MX" smtClean="0"/>
-              <a:t>05/12/2022</a:t>
+              <a:t>06/12/2022</a:t>
             </a:fld>
             <a:endParaRPr lang="es-MX"/>
           </a:p>
@@ -742,7 +749,7 @@
           <a:p>
             <a:fld id="{ECBF2EEC-35D9-4299-9E74-3239A05EA468}" type="datetimeFigureOut">
               <a:rPr lang="es-MX" smtClean="0"/>
-              <a:t>05/12/2022</a:t>
+              <a:t>06/12/2022</a:t>
             </a:fld>
             <a:endParaRPr lang="es-MX"/>
           </a:p>
@@ -992,7 +999,7 @@
           <a:p>
             <a:fld id="{ECBF2EEC-35D9-4299-9E74-3239A05EA468}" type="datetimeFigureOut">
               <a:rPr lang="es-MX" smtClean="0"/>
-              <a:t>05/12/2022</a:t>
+              <a:t>06/12/2022</a:t>
             </a:fld>
             <a:endParaRPr lang="es-MX"/>
           </a:p>
@@ -1300,7 +1307,7 @@
           <a:p>
             <a:fld id="{ECBF2EEC-35D9-4299-9E74-3239A05EA468}" type="datetimeFigureOut">
               <a:rPr lang="es-MX" smtClean="0"/>
-              <a:t>05/12/2022</a:t>
+              <a:t>06/12/2022</a:t>
             </a:fld>
             <a:endParaRPr lang="es-MX"/>
           </a:p>
@@ -1618,7 +1625,7 @@
           <a:p>
             <a:fld id="{ECBF2EEC-35D9-4299-9E74-3239A05EA468}" type="datetimeFigureOut">
               <a:rPr lang="es-MX" smtClean="0"/>
-              <a:t>05/12/2022</a:t>
+              <a:t>06/12/2022</a:t>
             </a:fld>
             <a:endParaRPr lang="es-MX"/>
           </a:p>
@@ -1920,7 +1927,7 @@
           <a:p>
             <a:fld id="{ECBF2EEC-35D9-4299-9E74-3239A05EA468}" type="datetimeFigureOut">
               <a:rPr lang="es-MX" smtClean="0"/>
-              <a:t>05/12/2022</a:t>
+              <a:t>06/12/2022</a:t>
             </a:fld>
             <a:endParaRPr lang="es-MX"/>
           </a:p>
@@ -2287,7 +2294,7 @@
           <a:p>
             <a:fld id="{ECBF2EEC-35D9-4299-9E74-3239A05EA468}" type="datetimeFigureOut">
               <a:rPr lang="es-MX" smtClean="0"/>
-              <a:t>05/12/2022</a:t>
+              <a:t>06/12/2022</a:t>
             </a:fld>
             <a:endParaRPr lang="es-MX"/>
           </a:p>
@@ -2461,7 +2468,7 @@
           <a:p>
             <a:fld id="{ECBF2EEC-35D9-4299-9E74-3239A05EA468}" type="datetimeFigureOut">
               <a:rPr lang="es-MX" smtClean="0"/>
-              <a:t>05/12/2022</a:t>
+              <a:t>06/12/2022</a:t>
             </a:fld>
             <a:endParaRPr lang="es-MX"/>
           </a:p>
@@ -2641,7 +2648,7 @@
           <a:p>
             <a:fld id="{ECBF2EEC-35D9-4299-9E74-3239A05EA468}" type="datetimeFigureOut">
               <a:rPr lang="es-MX" smtClean="0"/>
-              <a:t>05/12/2022</a:t>
+              <a:t>06/12/2022</a:t>
             </a:fld>
             <a:endParaRPr lang="es-MX"/>
           </a:p>
@@ -2811,7 +2818,7 @@
           <a:p>
             <a:fld id="{ECBF2EEC-35D9-4299-9E74-3239A05EA468}" type="datetimeFigureOut">
               <a:rPr lang="es-MX" smtClean="0"/>
-              <a:t>05/12/2022</a:t>
+              <a:t>06/12/2022</a:t>
             </a:fld>
             <a:endParaRPr lang="es-MX"/>
           </a:p>
@@ -3061,7 +3068,7 @@
           <a:p>
             <a:fld id="{ECBF2EEC-35D9-4299-9E74-3239A05EA468}" type="datetimeFigureOut">
               <a:rPr lang="es-MX" smtClean="0"/>
-              <a:t>05/12/2022</a:t>
+              <a:t>06/12/2022</a:t>
             </a:fld>
             <a:endParaRPr lang="es-MX"/>
           </a:p>
@@ -3297,7 +3304,7 @@
           <a:p>
             <a:fld id="{ECBF2EEC-35D9-4299-9E74-3239A05EA468}" type="datetimeFigureOut">
               <a:rPr lang="es-MX" smtClean="0"/>
-              <a:t>05/12/2022</a:t>
+              <a:t>06/12/2022</a:t>
             </a:fld>
             <a:endParaRPr lang="es-MX"/>
           </a:p>
@@ -3679,7 +3686,7 @@
           <a:p>
             <a:fld id="{ECBF2EEC-35D9-4299-9E74-3239A05EA468}" type="datetimeFigureOut">
               <a:rPr lang="es-MX" smtClean="0"/>
-              <a:t>05/12/2022</a:t>
+              <a:t>06/12/2022</a:t>
             </a:fld>
             <a:endParaRPr lang="es-MX"/>
           </a:p>
@@ -3797,7 +3804,7 @@
           <a:p>
             <a:fld id="{ECBF2EEC-35D9-4299-9E74-3239A05EA468}" type="datetimeFigureOut">
               <a:rPr lang="es-MX" smtClean="0"/>
-              <a:t>05/12/2022</a:t>
+              <a:t>06/12/2022</a:t>
             </a:fld>
             <a:endParaRPr lang="es-MX"/>
           </a:p>
@@ -3892,7 +3899,7 @@
           <a:p>
             <a:fld id="{ECBF2EEC-35D9-4299-9E74-3239A05EA468}" type="datetimeFigureOut">
               <a:rPr lang="es-MX" smtClean="0"/>
-              <a:t>05/12/2022</a:t>
+              <a:t>06/12/2022</a:t>
             </a:fld>
             <a:endParaRPr lang="es-MX"/>
           </a:p>
@@ -4147,7 +4154,7 @@
           <a:p>
             <a:fld id="{ECBF2EEC-35D9-4299-9E74-3239A05EA468}" type="datetimeFigureOut">
               <a:rPr lang="es-MX" smtClean="0"/>
-              <a:t>05/12/2022</a:t>
+              <a:t>06/12/2022</a:t>
             </a:fld>
             <a:endParaRPr lang="es-MX"/>
           </a:p>
@@ -4430,7 +4437,7 @@
           <a:p>
             <a:fld id="{ECBF2EEC-35D9-4299-9E74-3239A05EA468}" type="datetimeFigureOut">
               <a:rPr lang="es-MX" smtClean="0"/>
-              <a:t>05/12/2022</a:t>
+              <a:t>06/12/2022</a:t>
             </a:fld>
             <a:endParaRPr lang="es-MX"/>
           </a:p>
@@ -4836,7 +4843,7 @@
           <a:p>
             <a:fld id="{ECBF2EEC-35D9-4299-9E74-3239A05EA468}" type="datetimeFigureOut">
               <a:rPr lang="es-MX" smtClean="0"/>
-              <a:t>05/12/2022</a:t>
+              <a:t>06/12/2022</a:t>
             </a:fld>
             <a:endParaRPr lang="es-MX"/>
           </a:p>
@@ -5578,6 +5585,253 @@
 </p:sld>
 </file>
 
+<file path=ppt/slides/slide10.xml><?xml version="1.0" encoding="utf-8"?>
+<p:sld xmlns:a="http://schemas.openxmlformats.org/drawingml/2006/main" xmlns:r="http://schemas.openxmlformats.org/officeDocument/2006/relationships" xmlns:p="http://schemas.openxmlformats.org/presentationml/2006/main">
+  <p:cSld>
+    <p:spTree>
+      <p:nvGrpSpPr>
+        <p:cNvPr id="1" name=""/>
+        <p:cNvGrpSpPr/>
+        <p:nvPr/>
+      </p:nvGrpSpPr>
+      <p:grpSpPr>
+        <a:xfrm>
+          <a:off x="0" y="0"/>
+          <a:ext cx="0" cy="0"/>
+          <a:chOff x="0" y="0"/>
+          <a:chExt cx="0" cy="0"/>
+        </a:xfrm>
+      </p:grpSpPr>
+      <p:pic>
+        <p:nvPicPr>
+          <p:cNvPr id="2" name="Imagen 1">
+            <a:extLst>
+              <a:ext uri="{FF2B5EF4-FFF2-40B4-BE49-F238E27FC236}">
+                <a16:creationId xmlns:a16="http://schemas.microsoft.com/office/drawing/2014/main" id="{0C6C5B6D-1EB1-4FB2-B1A5-6904933A2AE6}"/>
+              </a:ext>
+            </a:extLst>
+          </p:cNvPr>
+          <p:cNvPicPr>
+            <a:picLocks noChangeAspect="1"/>
+          </p:cNvPicPr>
+          <p:nvPr/>
+        </p:nvPicPr>
+        <p:blipFill>
+          <a:blip r:embed="rId2">
+            <a:extLst>
+              <a:ext uri="{28A0092B-C50C-407E-A947-70E740481C1C}">
+                <a14:useLocalDpi xmlns:a14="http://schemas.microsoft.com/office/drawing/2010/main" val="0"/>
+              </a:ext>
+            </a:extLst>
+          </a:blip>
+          <a:stretch>
+            <a:fillRect/>
+          </a:stretch>
+        </p:blipFill>
+        <p:spPr>
+          <a:xfrm>
+            <a:off x="0" y="0"/>
+            <a:ext cx="12192000" cy="6858000"/>
+          </a:xfrm>
+          <a:prstGeom prst="rect">
+            <a:avLst/>
+          </a:prstGeom>
+        </p:spPr>
+      </p:pic>
+      <p:sp>
+        <p:nvSpPr>
+          <p:cNvPr id="3" name="Título 1">
+            <a:extLst>
+              <a:ext uri="{FF2B5EF4-FFF2-40B4-BE49-F238E27FC236}">
+                <a16:creationId xmlns:a16="http://schemas.microsoft.com/office/drawing/2014/main" id="{C813C55C-F53E-43C0-A1B0-7E7E8D5338D4}"/>
+              </a:ext>
+            </a:extLst>
+          </p:cNvPr>
+          <p:cNvSpPr txBox="1">
+            <a:spLocks/>
+          </p:cNvSpPr>
+          <p:nvPr/>
+        </p:nvSpPr>
+        <p:spPr>
+          <a:xfrm>
+            <a:off x="4900853" y="2675466"/>
+            <a:ext cx="2825164" cy="1507067"/>
+          </a:xfrm>
+          <a:prstGeom prst="rect">
+            <a:avLst/>
+          </a:prstGeom>
+        </p:spPr>
+        <p:txBody>
+          <a:bodyPr/>
+          <a:lstStyle>
+            <a:lvl1pPr algn="l" defTabSz="457200" rtl="0" eaLnBrk="1" latinLnBrk="0" hangingPunct="1">
+              <a:spcBef>
+                <a:spcPct val="0"/>
+              </a:spcBef>
+              <a:buNone/>
+              <a:defRPr sz="3600" kern="1200" cap="all">
+                <a:ln w="3175" cmpd="sng">
+                  <a:noFill/>
+                </a:ln>
+                <a:solidFill>
+                  <a:schemeClr val="tx1"/>
+                </a:solidFill>
+                <a:effectLst/>
+                <a:latin typeface="+mj-lt"/>
+                <a:ea typeface="+mj-ea"/>
+                <a:cs typeface="+mj-cs"/>
+              </a:defRPr>
+            </a:lvl1pPr>
+            <a:lvl2pPr eaLnBrk="1" hangingPunct="1">
+              <a:defRPr>
+                <a:solidFill>
+                  <a:schemeClr val="tx2"/>
+                </a:solidFill>
+              </a:defRPr>
+            </a:lvl2pPr>
+            <a:lvl3pPr eaLnBrk="1" hangingPunct="1">
+              <a:defRPr>
+                <a:solidFill>
+                  <a:schemeClr val="tx2"/>
+                </a:solidFill>
+              </a:defRPr>
+            </a:lvl3pPr>
+            <a:lvl4pPr eaLnBrk="1" hangingPunct="1">
+              <a:defRPr>
+                <a:solidFill>
+                  <a:schemeClr val="tx2"/>
+                </a:solidFill>
+              </a:defRPr>
+            </a:lvl4pPr>
+            <a:lvl5pPr eaLnBrk="1" hangingPunct="1">
+              <a:defRPr>
+                <a:solidFill>
+                  <a:schemeClr val="tx2"/>
+                </a:solidFill>
+              </a:defRPr>
+            </a:lvl5pPr>
+            <a:lvl6pPr eaLnBrk="1" hangingPunct="1">
+              <a:defRPr>
+                <a:solidFill>
+                  <a:schemeClr val="tx2"/>
+                </a:solidFill>
+              </a:defRPr>
+            </a:lvl6pPr>
+            <a:lvl7pPr eaLnBrk="1" hangingPunct="1">
+              <a:defRPr>
+                <a:solidFill>
+                  <a:schemeClr val="tx2"/>
+                </a:solidFill>
+              </a:defRPr>
+            </a:lvl7pPr>
+            <a:lvl8pPr eaLnBrk="1" hangingPunct="1">
+              <a:defRPr>
+                <a:solidFill>
+                  <a:schemeClr val="tx2"/>
+                </a:solidFill>
+              </a:defRPr>
+            </a:lvl8pPr>
+            <a:lvl9pPr eaLnBrk="1" hangingPunct="1">
+              <a:defRPr>
+                <a:solidFill>
+                  <a:schemeClr val="tx2"/>
+                </a:solidFill>
+              </a:defRPr>
+            </a:lvl9pPr>
+          </a:lstStyle>
+          <a:p>
+            <a:r>
+              <a:rPr lang="es-MX" dirty="0" err="1">
+                <a:solidFill>
+                  <a:schemeClr val="bg1"/>
+                </a:solidFill>
+              </a:rPr>
+              <a:t>Crud</a:t>
+            </a:r>
+            <a:r>
+              <a:rPr lang="es-MX" dirty="0">
+                <a:solidFill>
+                  <a:schemeClr val="bg1"/>
+                </a:solidFill>
+              </a:rPr>
+              <a:t> web</a:t>
+            </a:r>
+          </a:p>
+        </p:txBody>
+      </p:sp>
+    </p:spTree>
+    <p:extLst>
+      <p:ext uri="{BB962C8B-B14F-4D97-AF65-F5344CB8AC3E}">
+        <p14:creationId xmlns:p14="http://schemas.microsoft.com/office/powerpoint/2010/main" val="1837800374"/>
+      </p:ext>
+    </p:extLst>
+  </p:cSld>
+  <p:clrMapOvr>
+    <a:masterClrMapping/>
+  </p:clrMapOvr>
+</p:sld>
+</file>
+
+<file path=ppt/slides/slide11.xml><?xml version="1.0" encoding="utf-8"?>
+<p:sld xmlns:a="http://schemas.openxmlformats.org/drawingml/2006/main" xmlns:r="http://schemas.openxmlformats.org/officeDocument/2006/relationships" xmlns:p="http://schemas.openxmlformats.org/presentationml/2006/main">
+  <p:cSld>
+    <p:spTree>
+      <p:nvGrpSpPr>
+        <p:cNvPr id="1" name=""/>
+        <p:cNvGrpSpPr/>
+        <p:nvPr/>
+      </p:nvGrpSpPr>
+      <p:grpSpPr>
+        <a:xfrm>
+          <a:off x="0" y="0"/>
+          <a:ext cx="0" cy="0"/>
+          <a:chOff x="0" y="0"/>
+          <a:chExt cx="0" cy="0"/>
+        </a:xfrm>
+      </p:grpSpPr>
+      <p:pic>
+        <p:nvPicPr>
+          <p:cNvPr id="2" name="Imagen 1">
+            <a:extLst>
+              <a:ext uri="{FF2B5EF4-FFF2-40B4-BE49-F238E27FC236}">
+                <a16:creationId xmlns:a16="http://schemas.microsoft.com/office/drawing/2014/main" id="{F51A37B5-5779-46F2-A5F8-F1AC2008899B}"/>
+              </a:ext>
+            </a:extLst>
+          </p:cNvPr>
+          <p:cNvPicPr>
+            <a:picLocks noChangeAspect="1"/>
+          </p:cNvPicPr>
+          <p:nvPr/>
+        </p:nvPicPr>
+        <p:blipFill>
+          <a:blip r:embed="rId2"/>
+          <a:stretch>
+            <a:fillRect/>
+          </a:stretch>
+        </p:blipFill>
+        <p:spPr>
+          <a:xfrm>
+            <a:off x="320842" y="0"/>
+            <a:ext cx="11550316" cy="6858000"/>
+          </a:xfrm>
+          <a:prstGeom prst="rect">
+            <a:avLst/>
+          </a:prstGeom>
+        </p:spPr>
+      </p:pic>
+    </p:spTree>
+    <p:extLst>
+      <p:ext uri="{BB962C8B-B14F-4D97-AF65-F5344CB8AC3E}">
+        <p14:creationId xmlns:p14="http://schemas.microsoft.com/office/powerpoint/2010/main" val="168089789"/>
+      </p:ext>
+    </p:extLst>
+  </p:cSld>
+  <p:clrMapOvr>
+    <a:masterClrMapping/>
+  </p:clrMapOvr>
+</p:sld>
+</file>
+
 <file path=ppt/slides/slide2.xml><?xml version="1.0" encoding="utf-8"?>
 <p:sld xmlns:a="http://schemas.openxmlformats.org/drawingml/2006/main" xmlns:r="http://schemas.openxmlformats.org/officeDocument/2006/relationships" xmlns:p="http://schemas.openxmlformats.org/presentationml/2006/main">
   <p:cSld>

--- a/Exámenes/Semana03/Examen Semana03.pptx
+++ b/Exámenes/Semana03/Examen Semana03.pptx
@@ -16,6 +16,11 @@
     <p:sldId id="264" r:id="rId10"/>
     <p:sldId id="265" r:id="rId11"/>
     <p:sldId id="266" r:id="rId12"/>
+    <p:sldId id="271" r:id="rId13"/>
+    <p:sldId id="268" r:id="rId14"/>
+    <p:sldId id="267" r:id="rId15"/>
+    <p:sldId id="269" r:id="rId16"/>
+    <p:sldId id="270" r:id="rId17"/>
   </p:sldIdLst>
   <p:sldSz cx="12192000" cy="6858000"/>
   <p:notesSz cx="6858000" cy="9144000"/>
@@ -313,7 +318,7 @@
           <a:p>
             <a:fld id="{ECBF2EEC-35D9-4299-9E74-3239A05EA468}" type="datetimeFigureOut">
               <a:rPr lang="es-MX" smtClean="0"/>
-              <a:t>06/12/2022</a:t>
+              <a:t>08/12/2022</a:t>
             </a:fld>
             <a:endParaRPr lang="es-MX"/>
           </a:p>
@@ -749,7 +754,7 @@
           <a:p>
             <a:fld id="{ECBF2EEC-35D9-4299-9E74-3239A05EA468}" type="datetimeFigureOut">
               <a:rPr lang="es-MX" smtClean="0"/>
-              <a:t>06/12/2022</a:t>
+              <a:t>08/12/2022</a:t>
             </a:fld>
             <a:endParaRPr lang="es-MX"/>
           </a:p>
@@ -999,7 +1004,7 @@
           <a:p>
             <a:fld id="{ECBF2EEC-35D9-4299-9E74-3239A05EA468}" type="datetimeFigureOut">
               <a:rPr lang="es-MX" smtClean="0"/>
-              <a:t>06/12/2022</a:t>
+              <a:t>08/12/2022</a:t>
             </a:fld>
             <a:endParaRPr lang="es-MX"/>
           </a:p>
@@ -1307,7 +1312,7 @@
           <a:p>
             <a:fld id="{ECBF2EEC-35D9-4299-9E74-3239A05EA468}" type="datetimeFigureOut">
               <a:rPr lang="es-MX" smtClean="0"/>
-              <a:t>06/12/2022</a:t>
+              <a:t>08/12/2022</a:t>
             </a:fld>
             <a:endParaRPr lang="es-MX"/>
           </a:p>
@@ -1625,7 +1630,7 @@
           <a:p>
             <a:fld id="{ECBF2EEC-35D9-4299-9E74-3239A05EA468}" type="datetimeFigureOut">
               <a:rPr lang="es-MX" smtClean="0"/>
-              <a:t>06/12/2022</a:t>
+              <a:t>08/12/2022</a:t>
             </a:fld>
             <a:endParaRPr lang="es-MX"/>
           </a:p>
@@ -1927,7 +1932,7 @@
           <a:p>
             <a:fld id="{ECBF2EEC-35D9-4299-9E74-3239A05EA468}" type="datetimeFigureOut">
               <a:rPr lang="es-MX" smtClean="0"/>
-              <a:t>06/12/2022</a:t>
+              <a:t>08/12/2022</a:t>
             </a:fld>
             <a:endParaRPr lang="es-MX"/>
           </a:p>
@@ -2294,7 +2299,7 @@
           <a:p>
             <a:fld id="{ECBF2EEC-35D9-4299-9E74-3239A05EA468}" type="datetimeFigureOut">
               <a:rPr lang="es-MX" smtClean="0"/>
-              <a:t>06/12/2022</a:t>
+              <a:t>08/12/2022</a:t>
             </a:fld>
             <a:endParaRPr lang="es-MX"/>
           </a:p>
@@ -2468,7 +2473,7 @@
           <a:p>
             <a:fld id="{ECBF2EEC-35D9-4299-9E74-3239A05EA468}" type="datetimeFigureOut">
               <a:rPr lang="es-MX" smtClean="0"/>
-              <a:t>06/12/2022</a:t>
+              <a:t>08/12/2022</a:t>
             </a:fld>
             <a:endParaRPr lang="es-MX"/>
           </a:p>
@@ -2648,7 +2653,7 @@
           <a:p>
             <a:fld id="{ECBF2EEC-35D9-4299-9E74-3239A05EA468}" type="datetimeFigureOut">
               <a:rPr lang="es-MX" smtClean="0"/>
-              <a:t>06/12/2022</a:t>
+              <a:t>08/12/2022</a:t>
             </a:fld>
             <a:endParaRPr lang="es-MX"/>
           </a:p>
@@ -2818,7 +2823,7 @@
           <a:p>
             <a:fld id="{ECBF2EEC-35D9-4299-9E74-3239A05EA468}" type="datetimeFigureOut">
               <a:rPr lang="es-MX" smtClean="0"/>
-              <a:t>06/12/2022</a:t>
+              <a:t>08/12/2022</a:t>
             </a:fld>
             <a:endParaRPr lang="es-MX"/>
           </a:p>
@@ -3068,7 +3073,7 @@
           <a:p>
             <a:fld id="{ECBF2EEC-35D9-4299-9E74-3239A05EA468}" type="datetimeFigureOut">
               <a:rPr lang="es-MX" smtClean="0"/>
-              <a:t>06/12/2022</a:t>
+              <a:t>08/12/2022</a:t>
             </a:fld>
             <a:endParaRPr lang="es-MX"/>
           </a:p>
@@ -3304,7 +3309,7 @@
           <a:p>
             <a:fld id="{ECBF2EEC-35D9-4299-9E74-3239A05EA468}" type="datetimeFigureOut">
               <a:rPr lang="es-MX" smtClean="0"/>
-              <a:t>06/12/2022</a:t>
+              <a:t>08/12/2022</a:t>
             </a:fld>
             <a:endParaRPr lang="es-MX"/>
           </a:p>
@@ -3686,7 +3691,7 @@
           <a:p>
             <a:fld id="{ECBF2EEC-35D9-4299-9E74-3239A05EA468}" type="datetimeFigureOut">
               <a:rPr lang="es-MX" smtClean="0"/>
-              <a:t>06/12/2022</a:t>
+              <a:t>08/12/2022</a:t>
             </a:fld>
             <a:endParaRPr lang="es-MX"/>
           </a:p>
@@ -3804,7 +3809,7 @@
           <a:p>
             <a:fld id="{ECBF2EEC-35D9-4299-9E74-3239A05EA468}" type="datetimeFigureOut">
               <a:rPr lang="es-MX" smtClean="0"/>
-              <a:t>06/12/2022</a:t>
+              <a:t>08/12/2022</a:t>
             </a:fld>
             <a:endParaRPr lang="es-MX"/>
           </a:p>
@@ -3899,7 +3904,7 @@
           <a:p>
             <a:fld id="{ECBF2EEC-35D9-4299-9E74-3239A05EA468}" type="datetimeFigureOut">
               <a:rPr lang="es-MX" smtClean="0"/>
-              <a:t>06/12/2022</a:t>
+              <a:t>08/12/2022</a:t>
             </a:fld>
             <a:endParaRPr lang="es-MX"/>
           </a:p>
@@ -4154,7 +4159,7 @@
           <a:p>
             <a:fld id="{ECBF2EEC-35D9-4299-9E74-3239A05EA468}" type="datetimeFigureOut">
               <a:rPr lang="es-MX" smtClean="0"/>
-              <a:t>06/12/2022</a:t>
+              <a:t>08/12/2022</a:t>
             </a:fld>
             <a:endParaRPr lang="es-MX"/>
           </a:p>
@@ -4437,7 +4442,7 @@
           <a:p>
             <a:fld id="{ECBF2EEC-35D9-4299-9E74-3239A05EA468}" type="datetimeFigureOut">
               <a:rPr lang="es-MX" smtClean="0"/>
-              <a:t>06/12/2022</a:t>
+              <a:t>08/12/2022</a:t>
             </a:fld>
             <a:endParaRPr lang="es-MX"/>
           </a:p>
@@ -4843,7 +4848,7 @@
           <a:p>
             <a:fld id="{ECBF2EEC-35D9-4299-9E74-3239A05EA468}" type="datetimeFigureOut">
               <a:rPr lang="es-MX" smtClean="0"/>
-              <a:t>06/12/2022</a:t>
+              <a:t>08/12/2022</a:t>
             </a:fld>
             <a:endParaRPr lang="es-MX"/>
           </a:p>
@@ -5754,8 +5759,21 @@
                   <a:schemeClr val="bg1"/>
                 </a:solidFill>
               </a:rPr>
-              <a:t> web</a:t>
-            </a:r>
+              <a:t> web </a:t>
+            </a:r>
+            <a:r>
+              <a:rPr lang="es-MX" dirty="0" err="1">
+                <a:solidFill>
+                  <a:schemeClr val="bg1"/>
+                </a:solidFill>
+              </a:rPr>
+              <a:t>Servlets</a:t>
+            </a:r>
+            <a:endParaRPr lang="es-MX" dirty="0">
+              <a:solidFill>
+                <a:schemeClr val="bg1"/>
+              </a:solidFill>
+            </a:endParaRPr>
           </a:p>
         </p:txBody>
       </p:sp>
@@ -5823,6 +5841,1155 @@
     <p:extLst>
       <p:ext uri="{BB962C8B-B14F-4D97-AF65-F5344CB8AC3E}">
         <p14:creationId xmlns:p14="http://schemas.microsoft.com/office/powerpoint/2010/main" val="168089789"/>
+      </p:ext>
+    </p:extLst>
+  </p:cSld>
+  <p:clrMapOvr>
+    <a:masterClrMapping/>
+  </p:clrMapOvr>
+</p:sld>
+</file>
+
+<file path=ppt/slides/slide12.xml><?xml version="1.0" encoding="utf-8"?>
+<p:sld xmlns:a="http://schemas.openxmlformats.org/drawingml/2006/main" xmlns:r="http://schemas.openxmlformats.org/officeDocument/2006/relationships" xmlns:p="http://schemas.openxmlformats.org/presentationml/2006/main">
+  <p:cSld>
+    <p:spTree>
+      <p:nvGrpSpPr>
+        <p:cNvPr id="1" name=""/>
+        <p:cNvGrpSpPr/>
+        <p:nvPr/>
+      </p:nvGrpSpPr>
+      <p:grpSpPr>
+        <a:xfrm>
+          <a:off x="0" y="0"/>
+          <a:ext cx="0" cy="0"/>
+          <a:chOff x="0" y="0"/>
+          <a:chExt cx="0" cy="0"/>
+        </a:xfrm>
+      </p:grpSpPr>
+      <p:pic>
+        <p:nvPicPr>
+          <p:cNvPr id="3" name="Imagen 2">
+            <a:extLst>
+              <a:ext uri="{FF2B5EF4-FFF2-40B4-BE49-F238E27FC236}">
+                <a16:creationId xmlns:a16="http://schemas.microsoft.com/office/drawing/2014/main" id="{384EBB12-A474-43F7-8509-A69F2936FB67}"/>
+              </a:ext>
+            </a:extLst>
+          </p:cNvPr>
+          <p:cNvPicPr>
+            <a:picLocks noChangeAspect="1"/>
+          </p:cNvPicPr>
+          <p:nvPr/>
+        </p:nvPicPr>
+        <p:blipFill>
+          <a:blip r:embed="rId2">
+            <a:extLst>
+              <a:ext uri="{28A0092B-C50C-407E-A947-70E740481C1C}">
+                <a14:useLocalDpi xmlns:a14="http://schemas.microsoft.com/office/drawing/2010/main" val="0"/>
+              </a:ext>
+            </a:extLst>
+          </a:blip>
+          <a:stretch>
+            <a:fillRect/>
+          </a:stretch>
+        </p:blipFill>
+        <p:spPr>
+          <a:xfrm>
+            <a:off x="0" y="0"/>
+            <a:ext cx="12192000" cy="6858000"/>
+          </a:xfrm>
+          <a:prstGeom prst="rect">
+            <a:avLst/>
+          </a:prstGeom>
+        </p:spPr>
+      </p:pic>
+      <p:sp>
+        <p:nvSpPr>
+          <p:cNvPr id="2" name="Rectángulo 1">
+            <a:extLst>
+              <a:ext uri="{FF2B5EF4-FFF2-40B4-BE49-F238E27FC236}">
+                <a16:creationId xmlns:a16="http://schemas.microsoft.com/office/drawing/2014/main" id="{0005C74B-A4F7-44D0-A9C8-E018126C8BE8}"/>
+              </a:ext>
+            </a:extLst>
+          </p:cNvPr>
+          <p:cNvSpPr/>
+          <p:nvPr/>
+        </p:nvSpPr>
+        <p:spPr>
+          <a:xfrm>
+            <a:off x="3048000" y="2413338"/>
+            <a:ext cx="6096000" cy="2031325"/>
+          </a:xfrm>
+          <a:prstGeom prst="rect">
+            <a:avLst/>
+          </a:prstGeom>
+        </p:spPr>
+        <p:txBody>
+          <a:bodyPr>
+            <a:spAutoFit/>
+          </a:bodyPr>
+          <a:lstStyle/>
+          <a:p>
+            <a:pPr algn="ctr"/>
+            <a:r>
+              <a:rPr lang="es-MX" b="1" dirty="0" err="1">
+                <a:solidFill>
+                  <a:schemeClr val="bg1"/>
+                </a:solidFill>
+              </a:rPr>
+              <a:t>The</a:t>
+            </a:r>
+            <a:r>
+              <a:rPr lang="es-MX" b="1" dirty="0">
+                <a:solidFill>
+                  <a:schemeClr val="bg1"/>
+                </a:solidFill>
+              </a:rPr>
+              <a:t> </a:t>
+            </a:r>
+            <a:r>
+              <a:rPr lang="es-MX" b="1" dirty="0" err="1">
+                <a:solidFill>
+                  <a:schemeClr val="bg1"/>
+                </a:solidFill>
+              </a:rPr>
+              <a:t>program</a:t>
+            </a:r>
+            <a:r>
+              <a:rPr lang="es-MX" b="1" dirty="0">
+                <a:solidFill>
+                  <a:schemeClr val="bg1"/>
+                </a:solidFill>
+              </a:rPr>
+              <a:t> </a:t>
+            </a:r>
+            <a:r>
+              <a:rPr lang="es-MX" b="1" dirty="0" err="1">
+                <a:solidFill>
+                  <a:schemeClr val="bg1"/>
+                </a:solidFill>
+              </a:rPr>
+              <a:t>shown</a:t>
+            </a:r>
+            <a:r>
+              <a:rPr lang="es-MX" b="1" dirty="0">
+                <a:solidFill>
+                  <a:schemeClr val="bg1"/>
+                </a:solidFill>
+              </a:rPr>
+              <a:t> </a:t>
+            </a:r>
+            <a:r>
+              <a:rPr lang="es-MX" b="1" dirty="0" err="1">
+                <a:solidFill>
+                  <a:schemeClr val="bg1"/>
+                </a:solidFill>
+              </a:rPr>
+              <a:t>is</a:t>
+            </a:r>
+            <a:r>
+              <a:rPr lang="es-MX" b="1" dirty="0">
+                <a:solidFill>
+                  <a:schemeClr val="bg1"/>
+                </a:solidFill>
+              </a:rPr>
+              <a:t> a CRUD </a:t>
+            </a:r>
+            <a:r>
+              <a:rPr lang="es-MX" b="1" dirty="0" err="1">
+                <a:solidFill>
+                  <a:schemeClr val="bg1"/>
+                </a:solidFill>
+              </a:rPr>
+              <a:t>which</a:t>
+            </a:r>
+            <a:r>
+              <a:rPr lang="es-MX" b="1" dirty="0">
+                <a:solidFill>
+                  <a:schemeClr val="bg1"/>
+                </a:solidFill>
+              </a:rPr>
+              <a:t> uses </a:t>
+            </a:r>
+            <a:r>
+              <a:rPr lang="es-MX" b="1" dirty="0" err="1">
+                <a:solidFill>
+                  <a:schemeClr val="bg1"/>
+                </a:solidFill>
+              </a:rPr>
+              <a:t>servlets</a:t>
+            </a:r>
+            <a:r>
+              <a:rPr lang="es-MX" b="1" dirty="0">
+                <a:solidFill>
+                  <a:schemeClr val="bg1"/>
+                </a:solidFill>
+              </a:rPr>
+              <a:t> and </a:t>
+            </a:r>
+            <a:r>
+              <a:rPr lang="es-MX" b="1" dirty="0" err="1">
+                <a:solidFill>
+                  <a:schemeClr val="bg1"/>
+                </a:solidFill>
+              </a:rPr>
+              <a:t>jsp</a:t>
+            </a:r>
+            <a:r>
+              <a:rPr lang="es-MX" b="1" dirty="0">
+                <a:solidFill>
+                  <a:schemeClr val="bg1"/>
+                </a:solidFill>
+              </a:rPr>
+              <a:t>, as </a:t>
+            </a:r>
+            <a:r>
+              <a:rPr lang="es-MX" b="1" dirty="0" err="1">
+                <a:solidFill>
+                  <a:schemeClr val="bg1"/>
+                </a:solidFill>
+              </a:rPr>
+              <a:t>well</a:t>
+            </a:r>
+            <a:r>
+              <a:rPr lang="es-MX" b="1" dirty="0">
+                <a:solidFill>
+                  <a:schemeClr val="bg1"/>
+                </a:solidFill>
+              </a:rPr>
+              <a:t> as MVC </a:t>
+            </a:r>
+            <a:r>
+              <a:rPr lang="es-MX" b="1" dirty="0" err="1">
+                <a:solidFill>
+                  <a:schemeClr val="bg1"/>
+                </a:solidFill>
+              </a:rPr>
+              <a:t>with</a:t>
+            </a:r>
+            <a:r>
+              <a:rPr lang="es-MX" b="1" dirty="0">
+                <a:solidFill>
+                  <a:schemeClr val="bg1"/>
+                </a:solidFill>
+              </a:rPr>
+              <a:t> </a:t>
+            </a:r>
+            <a:r>
+              <a:rPr lang="es-MX" b="1" dirty="0" err="1">
+                <a:solidFill>
+                  <a:schemeClr val="bg1"/>
+                </a:solidFill>
+              </a:rPr>
+              <a:t>an</a:t>
+            </a:r>
+            <a:r>
+              <a:rPr lang="es-MX" b="1" dirty="0">
+                <a:solidFill>
+                  <a:schemeClr val="bg1"/>
+                </a:solidFill>
+              </a:rPr>
+              <a:t> </a:t>
+            </a:r>
+            <a:r>
+              <a:rPr lang="es-MX" b="1" dirty="0" err="1">
+                <a:solidFill>
+                  <a:schemeClr val="bg1"/>
+                </a:solidFill>
+              </a:rPr>
+              <a:t>architecture</a:t>
+            </a:r>
+            <a:r>
+              <a:rPr lang="es-MX" b="1" dirty="0">
+                <a:solidFill>
+                  <a:schemeClr val="bg1"/>
+                </a:solidFill>
+              </a:rPr>
+              <a:t> in </a:t>
+            </a:r>
+            <a:r>
+              <a:rPr lang="es-MX" b="1" dirty="0" err="1">
+                <a:solidFill>
+                  <a:schemeClr val="bg1"/>
+                </a:solidFill>
+              </a:rPr>
+              <a:t>which</a:t>
+            </a:r>
+            <a:r>
+              <a:rPr lang="es-MX" b="1" dirty="0">
+                <a:solidFill>
+                  <a:schemeClr val="bg1"/>
+                </a:solidFill>
+              </a:rPr>
+              <a:t> </a:t>
+            </a:r>
+            <a:r>
+              <a:rPr lang="es-MX" b="1" dirty="0" err="1">
+                <a:solidFill>
+                  <a:schemeClr val="bg1"/>
+                </a:solidFill>
+              </a:rPr>
+              <a:t>the</a:t>
+            </a:r>
+            <a:r>
+              <a:rPr lang="es-MX" b="1" dirty="0">
+                <a:solidFill>
+                  <a:schemeClr val="bg1"/>
+                </a:solidFill>
+              </a:rPr>
+              <a:t> </a:t>
+            </a:r>
+            <a:r>
+              <a:rPr lang="es-MX" b="1" dirty="0" err="1">
+                <a:solidFill>
+                  <a:schemeClr val="bg1"/>
+                </a:solidFill>
+              </a:rPr>
+              <a:t>model</a:t>
+            </a:r>
+            <a:r>
+              <a:rPr lang="es-MX" b="1" dirty="0">
+                <a:solidFill>
+                  <a:schemeClr val="bg1"/>
+                </a:solidFill>
+              </a:rPr>
+              <a:t> </a:t>
+            </a:r>
+            <a:r>
+              <a:rPr lang="es-MX" b="1" dirty="0" err="1">
+                <a:solidFill>
+                  <a:schemeClr val="bg1"/>
+                </a:solidFill>
+              </a:rPr>
+              <a:t>takes</a:t>
+            </a:r>
+            <a:r>
+              <a:rPr lang="es-MX" b="1" dirty="0">
+                <a:solidFill>
+                  <a:schemeClr val="bg1"/>
+                </a:solidFill>
+              </a:rPr>
+              <a:t> </a:t>
+            </a:r>
+            <a:r>
+              <a:rPr lang="es-MX" b="1" dirty="0" err="1">
+                <a:solidFill>
+                  <a:schemeClr val="bg1"/>
+                </a:solidFill>
+              </a:rPr>
+              <a:t>the</a:t>
+            </a:r>
+            <a:r>
+              <a:rPr lang="es-MX" b="1" dirty="0">
+                <a:solidFill>
+                  <a:schemeClr val="bg1"/>
+                </a:solidFill>
+              </a:rPr>
+              <a:t> role of </a:t>
+            </a:r>
+            <a:r>
+              <a:rPr lang="es-MX" b="1" dirty="0" err="1">
+                <a:solidFill>
+                  <a:schemeClr val="bg1"/>
+                </a:solidFill>
+              </a:rPr>
+              <a:t>interacting</a:t>
+            </a:r>
+            <a:r>
+              <a:rPr lang="es-MX" b="1" dirty="0">
+                <a:solidFill>
+                  <a:schemeClr val="bg1"/>
+                </a:solidFill>
+              </a:rPr>
+              <a:t> </a:t>
+            </a:r>
+            <a:r>
+              <a:rPr lang="es-MX" b="1" dirty="0" err="1">
+                <a:solidFill>
+                  <a:schemeClr val="bg1"/>
+                </a:solidFill>
+              </a:rPr>
+              <a:t>with</a:t>
+            </a:r>
+            <a:r>
+              <a:rPr lang="es-MX" b="1" dirty="0">
+                <a:solidFill>
+                  <a:schemeClr val="bg1"/>
+                </a:solidFill>
+              </a:rPr>
+              <a:t> </a:t>
+            </a:r>
+            <a:r>
+              <a:rPr lang="es-MX" b="1" dirty="0" err="1">
+                <a:solidFill>
+                  <a:schemeClr val="bg1"/>
+                </a:solidFill>
+              </a:rPr>
+              <a:t>the</a:t>
+            </a:r>
+            <a:r>
+              <a:rPr lang="es-MX" b="1" dirty="0">
+                <a:solidFill>
+                  <a:schemeClr val="bg1"/>
+                </a:solidFill>
+              </a:rPr>
+              <a:t> </a:t>
+            </a:r>
+            <a:r>
+              <a:rPr lang="es-MX" b="1" dirty="0" err="1">
+                <a:solidFill>
+                  <a:schemeClr val="bg1"/>
+                </a:solidFill>
+              </a:rPr>
+              <a:t>database</a:t>
+            </a:r>
+            <a:r>
+              <a:rPr lang="es-MX" b="1" dirty="0">
+                <a:solidFill>
+                  <a:schemeClr val="bg1"/>
+                </a:solidFill>
+              </a:rPr>
+              <a:t> </a:t>
+            </a:r>
+            <a:r>
+              <a:rPr lang="es-MX" b="1" dirty="0" err="1">
+                <a:solidFill>
+                  <a:schemeClr val="bg1"/>
+                </a:solidFill>
+              </a:rPr>
+              <a:t>through</a:t>
+            </a:r>
+            <a:r>
+              <a:rPr lang="es-MX" b="1" dirty="0">
+                <a:solidFill>
+                  <a:schemeClr val="bg1"/>
+                </a:solidFill>
+              </a:rPr>
+              <a:t> JDBC.</a:t>
+            </a:r>
+          </a:p>
+          <a:p>
+            <a:pPr algn="ctr"/>
+            <a:r>
+              <a:rPr lang="es-MX" b="1" dirty="0" err="1">
+                <a:solidFill>
+                  <a:schemeClr val="bg1"/>
+                </a:solidFill>
+              </a:rPr>
+              <a:t>The</a:t>
+            </a:r>
+            <a:r>
+              <a:rPr lang="es-MX" b="1" dirty="0">
+                <a:solidFill>
+                  <a:schemeClr val="bg1"/>
+                </a:solidFill>
+              </a:rPr>
+              <a:t> </a:t>
+            </a:r>
+            <a:r>
+              <a:rPr lang="es-MX" b="1" dirty="0" err="1">
+                <a:solidFill>
+                  <a:schemeClr val="bg1"/>
+                </a:solidFill>
+              </a:rPr>
+              <a:t>database</a:t>
+            </a:r>
+            <a:r>
+              <a:rPr lang="es-MX" b="1" dirty="0">
+                <a:solidFill>
+                  <a:schemeClr val="bg1"/>
+                </a:solidFill>
+              </a:rPr>
+              <a:t> </a:t>
+            </a:r>
+            <a:r>
+              <a:rPr lang="es-MX" b="1" dirty="0" err="1">
+                <a:solidFill>
+                  <a:schemeClr val="bg1"/>
+                </a:solidFill>
+              </a:rPr>
+              <a:t>was</a:t>
+            </a:r>
+            <a:r>
+              <a:rPr lang="es-MX" b="1" dirty="0">
+                <a:solidFill>
+                  <a:schemeClr val="bg1"/>
+                </a:solidFill>
+              </a:rPr>
+              <a:t> </a:t>
+            </a:r>
+            <a:r>
+              <a:rPr lang="es-MX" b="1" dirty="0" err="1">
+                <a:solidFill>
+                  <a:schemeClr val="bg1"/>
+                </a:solidFill>
+              </a:rPr>
+              <a:t>created</a:t>
+            </a:r>
+            <a:r>
+              <a:rPr lang="es-MX" b="1" dirty="0">
+                <a:solidFill>
+                  <a:schemeClr val="bg1"/>
+                </a:solidFill>
+              </a:rPr>
+              <a:t> in MYSQL, </a:t>
+            </a:r>
+            <a:r>
+              <a:rPr lang="es-MX" b="1" dirty="0" err="1">
+                <a:solidFill>
+                  <a:schemeClr val="bg1"/>
+                </a:solidFill>
+              </a:rPr>
+              <a:t>where</a:t>
+            </a:r>
+            <a:r>
+              <a:rPr lang="es-MX" b="1" dirty="0">
+                <a:solidFill>
+                  <a:schemeClr val="bg1"/>
+                </a:solidFill>
+              </a:rPr>
+              <a:t> </a:t>
+            </a:r>
+            <a:r>
+              <a:rPr lang="es-MX" b="1" dirty="0" err="1">
+                <a:solidFill>
+                  <a:schemeClr val="bg1"/>
+                </a:solidFill>
+              </a:rPr>
+              <a:t>athlete</a:t>
+            </a:r>
+            <a:r>
+              <a:rPr lang="es-MX" b="1" dirty="0">
+                <a:solidFill>
+                  <a:schemeClr val="bg1"/>
+                </a:solidFill>
+              </a:rPr>
+              <a:t> data </a:t>
+            </a:r>
+            <a:r>
+              <a:rPr lang="es-MX" b="1" dirty="0" err="1">
+                <a:solidFill>
+                  <a:schemeClr val="bg1"/>
+                </a:solidFill>
+              </a:rPr>
+              <a:t>is</a:t>
+            </a:r>
+            <a:r>
+              <a:rPr lang="es-MX" b="1" dirty="0">
+                <a:solidFill>
+                  <a:schemeClr val="bg1"/>
+                </a:solidFill>
+              </a:rPr>
+              <a:t> </a:t>
+            </a:r>
+            <a:r>
+              <a:rPr lang="es-MX" b="1" dirty="0" err="1">
+                <a:solidFill>
+                  <a:schemeClr val="bg1"/>
+                </a:solidFill>
+              </a:rPr>
+              <a:t>stored</a:t>
+            </a:r>
+            <a:r>
+              <a:rPr lang="es-MX" b="1" dirty="0">
+                <a:solidFill>
+                  <a:schemeClr val="bg1"/>
+                </a:solidFill>
+              </a:rPr>
+              <a:t>.</a:t>
+            </a:r>
+          </a:p>
+          <a:p>
+            <a:pPr algn="ctr"/>
+            <a:r>
+              <a:rPr lang="es-MX" b="1" dirty="0" err="1">
+                <a:solidFill>
+                  <a:schemeClr val="bg1"/>
+                </a:solidFill>
+              </a:rPr>
+              <a:t>Dependencies</a:t>
+            </a:r>
+            <a:r>
+              <a:rPr lang="es-MX" b="1" dirty="0">
+                <a:solidFill>
+                  <a:schemeClr val="bg1"/>
+                </a:solidFill>
+              </a:rPr>
+              <a:t> </a:t>
+            </a:r>
+            <a:r>
+              <a:rPr lang="es-MX" b="1" dirty="0" err="1">
+                <a:solidFill>
+                  <a:schemeClr val="bg1"/>
+                </a:solidFill>
+              </a:rPr>
+              <a:t>were</a:t>
+            </a:r>
+            <a:r>
+              <a:rPr lang="es-MX" b="1" dirty="0">
+                <a:solidFill>
+                  <a:schemeClr val="bg1"/>
+                </a:solidFill>
+              </a:rPr>
+              <a:t> </a:t>
+            </a:r>
+            <a:r>
+              <a:rPr lang="es-MX" b="1" dirty="0" err="1">
+                <a:solidFill>
+                  <a:schemeClr val="bg1"/>
+                </a:solidFill>
+              </a:rPr>
+              <a:t>pulled</a:t>
+            </a:r>
+            <a:r>
+              <a:rPr lang="es-MX" b="1" dirty="0">
+                <a:solidFill>
+                  <a:schemeClr val="bg1"/>
+                </a:solidFill>
+              </a:rPr>
+              <a:t> in </a:t>
+            </a:r>
+            <a:r>
+              <a:rPr lang="es-MX" b="1" dirty="0" err="1">
+                <a:solidFill>
+                  <a:schemeClr val="bg1"/>
+                </a:solidFill>
+              </a:rPr>
+              <a:t>using</a:t>
+            </a:r>
+            <a:r>
+              <a:rPr lang="es-MX" b="1" dirty="0">
+                <a:solidFill>
+                  <a:schemeClr val="bg1"/>
+                </a:solidFill>
+              </a:rPr>
+              <a:t> Maven</a:t>
+            </a:r>
+          </a:p>
+        </p:txBody>
+      </p:sp>
+    </p:spTree>
+    <p:extLst>
+      <p:ext uri="{BB962C8B-B14F-4D97-AF65-F5344CB8AC3E}">
+        <p14:creationId xmlns:p14="http://schemas.microsoft.com/office/powerpoint/2010/main" val="1229187888"/>
+      </p:ext>
+    </p:extLst>
+  </p:cSld>
+  <p:clrMapOvr>
+    <a:masterClrMapping/>
+  </p:clrMapOvr>
+</p:sld>
+</file>
+
+<file path=ppt/slides/slide13.xml><?xml version="1.0" encoding="utf-8"?>
+<p:sld xmlns:a="http://schemas.openxmlformats.org/drawingml/2006/main" xmlns:r="http://schemas.openxmlformats.org/officeDocument/2006/relationships" xmlns:p="http://schemas.openxmlformats.org/presentationml/2006/main">
+  <p:cSld>
+    <p:spTree>
+      <p:nvGrpSpPr>
+        <p:cNvPr id="1" name=""/>
+        <p:cNvGrpSpPr/>
+        <p:nvPr/>
+      </p:nvGrpSpPr>
+      <p:grpSpPr>
+        <a:xfrm>
+          <a:off x="0" y="0"/>
+          <a:ext cx="0" cy="0"/>
+          <a:chOff x="0" y="0"/>
+          <a:chExt cx="0" cy="0"/>
+        </a:xfrm>
+      </p:grpSpPr>
+      <p:pic>
+        <p:nvPicPr>
+          <p:cNvPr id="2" name="Imagen 1">
+            <a:extLst>
+              <a:ext uri="{FF2B5EF4-FFF2-40B4-BE49-F238E27FC236}">
+                <a16:creationId xmlns:a16="http://schemas.microsoft.com/office/drawing/2014/main" id="{0C6C5B6D-1EB1-4FB2-B1A5-6904933A2AE6}"/>
+              </a:ext>
+            </a:extLst>
+          </p:cNvPr>
+          <p:cNvPicPr>
+            <a:picLocks noChangeAspect="1"/>
+          </p:cNvPicPr>
+          <p:nvPr/>
+        </p:nvPicPr>
+        <p:blipFill>
+          <a:blip r:embed="rId2">
+            <a:extLst>
+              <a:ext uri="{28A0092B-C50C-407E-A947-70E740481C1C}">
+                <a14:useLocalDpi xmlns:a14="http://schemas.microsoft.com/office/drawing/2010/main" val="0"/>
+              </a:ext>
+            </a:extLst>
+          </a:blip>
+          <a:stretch>
+            <a:fillRect/>
+          </a:stretch>
+        </p:blipFill>
+        <p:spPr>
+          <a:xfrm>
+            <a:off x="0" y="0"/>
+            <a:ext cx="12192000" cy="6858000"/>
+          </a:xfrm>
+          <a:prstGeom prst="rect">
+            <a:avLst/>
+          </a:prstGeom>
+        </p:spPr>
+      </p:pic>
+      <p:sp>
+        <p:nvSpPr>
+          <p:cNvPr id="3" name="Título 1">
+            <a:extLst>
+              <a:ext uri="{FF2B5EF4-FFF2-40B4-BE49-F238E27FC236}">
+                <a16:creationId xmlns:a16="http://schemas.microsoft.com/office/drawing/2014/main" id="{C813C55C-F53E-43C0-A1B0-7E7E8D5338D4}"/>
+              </a:ext>
+            </a:extLst>
+          </p:cNvPr>
+          <p:cNvSpPr txBox="1">
+            <a:spLocks/>
+          </p:cNvSpPr>
+          <p:nvPr/>
+        </p:nvSpPr>
+        <p:spPr>
+          <a:xfrm>
+            <a:off x="4967113" y="2675466"/>
+            <a:ext cx="3620295" cy="1507067"/>
+          </a:xfrm>
+          <a:prstGeom prst="rect">
+            <a:avLst/>
+          </a:prstGeom>
+        </p:spPr>
+        <p:txBody>
+          <a:bodyPr/>
+          <a:lstStyle>
+            <a:lvl1pPr algn="l" defTabSz="457200" rtl="0" eaLnBrk="1" latinLnBrk="0" hangingPunct="1">
+              <a:spcBef>
+                <a:spcPct val="0"/>
+              </a:spcBef>
+              <a:buNone/>
+              <a:defRPr sz="3600" kern="1200" cap="all">
+                <a:ln w="3175" cmpd="sng">
+                  <a:noFill/>
+                </a:ln>
+                <a:solidFill>
+                  <a:schemeClr val="tx1"/>
+                </a:solidFill>
+                <a:effectLst/>
+                <a:latin typeface="+mj-lt"/>
+                <a:ea typeface="+mj-ea"/>
+                <a:cs typeface="+mj-cs"/>
+              </a:defRPr>
+            </a:lvl1pPr>
+            <a:lvl2pPr eaLnBrk="1" hangingPunct="1">
+              <a:defRPr>
+                <a:solidFill>
+                  <a:schemeClr val="tx2"/>
+                </a:solidFill>
+              </a:defRPr>
+            </a:lvl2pPr>
+            <a:lvl3pPr eaLnBrk="1" hangingPunct="1">
+              <a:defRPr>
+                <a:solidFill>
+                  <a:schemeClr val="tx2"/>
+                </a:solidFill>
+              </a:defRPr>
+            </a:lvl3pPr>
+            <a:lvl4pPr eaLnBrk="1" hangingPunct="1">
+              <a:defRPr>
+                <a:solidFill>
+                  <a:schemeClr val="tx2"/>
+                </a:solidFill>
+              </a:defRPr>
+            </a:lvl4pPr>
+            <a:lvl5pPr eaLnBrk="1" hangingPunct="1">
+              <a:defRPr>
+                <a:solidFill>
+                  <a:schemeClr val="tx2"/>
+                </a:solidFill>
+              </a:defRPr>
+            </a:lvl5pPr>
+            <a:lvl6pPr eaLnBrk="1" hangingPunct="1">
+              <a:defRPr>
+                <a:solidFill>
+                  <a:schemeClr val="tx2"/>
+                </a:solidFill>
+              </a:defRPr>
+            </a:lvl6pPr>
+            <a:lvl7pPr eaLnBrk="1" hangingPunct="1">
+              <a:defRPr>
+                <a:solidFill>
+                  <a:schemeClr val="tx2"/>
+                </a:solidFill>
+              </a:defRPr>
+            </a:lvl7pPr>
+            <a:lvl8pPr eaLnBrk="1" hangingPunct="1">
+              <a:defRPr>
+                <a:solidFill>
+                  <a:schemeClr val="tx2"/>
+                </a:solidFill>
+              </a:defRPr>
+            </a:lvl8pPr>
+            <a:lvl9pPr eaLnBrk="1" hangingPunct="1">
+              <a:defRPr>
+                <a:solidFill>
+                  <a:schemeClr val="tx2"/>
+                </a:solidFill>
+              </a:defRPr>
+            </a:lvl9pPr>
+          </a:lstStyle>
+          <a:p>
+            <a:r>
+              <a:rPr lang="es-MX" dirty="0" err="1">
+                <a:solidFill>
+                  <a:schemeClr val="bg1"/>
+                </a:solidFill>
+              </a:rPr>
+              <a:t>Crud</a:t>
+            </a:r>
+            <a:r>
+              <a:rPr lang="es-MX" dirty="0">
+                <a:solidFill>
+                  <a:schemeClr val="bg1"/>
+                </a:solidFill>
+              </a:rPr>
+              <a:t> web Spring and </a:t>
+            </a:r>
+            <a:r>
+              <a:rPr lang="es-MX" dirty="0" err="1">
+                <a:solidFill>
+                  <a:schemeClr val="bg1"/>
+                </a:solidFill>
+              </a:rPr>
+              <a:t>hibernate</a:t>
+            </a:r>
+            <a:endParaRPr lang="es-MX" dirty="0">
+              <a:solidFill>
+                <a:schemeClr val="bg1"/>
+              </a:solidFill>
+            </a:endParaRPr>
+          </a:p>
+        </p:txBody>
+      </p:sp>
+    </p:spTree>
+    <p:extLst>
+      <p:ext uri="{BB962C8B-B14F-4D97-AF65-F5344CB8AC3E}">
+        <p14:creationId xmlns:p14="http://schemas.microsoft.com/office/powerpoint/2010/main" val="547229905"/>
+      </p:ext>
+    </p:extLst>
+  </p:cSld>
+  <p:clrMapOvr>
+    <a:masterClrMapping/>
+  </p:clrMapOvr>
+</p:sld>
+</file>
+
+<file path=ppt/slides/slide14.xml><?xml version="1.0" encoding="utf-8"?>
+<p:sld xmlns:a="http://schemas.openxmlformats.org/drawingml/2006/main" xmlns:r="http://schemas.openxmlformats.org/officeDocument/2006/relationships" xmlns:p="http://schemas.openxmlformats.org/presentationml/2006/main">
+  <p:cSld>
+    <p:spTree>
+      <p:nvGrpSpPr>
+        <p:cNvPr id="1" name=""/>
+        <p:cNvGrpSpPr/>
+        <p:nvPr/>
+      </p:nvGrpSpPr>
+      <p:grpSpPr>
+        <a:xfrm>
+          <a:off x="0" y="0"/>
+          <a:ext cx="0" cy="0"/>
+          <a:chOff x="0" y="0"/>
+          <a:chExt cx="0" cy="0"/>
+        </a:xfrm>
+      </p:grpSpPr>
+      <p:pic>
+        <p:nvPicPr>
+          <p:cNvPr id="3" name="Imagen 2">
+            <a:extLst>
+              <a:ext uri="{FF2B5EF4-FFF2-40B4-BE49-F238E27FC236}">
+                <a16:creationId xmlns:a16="http://schemas.microsoft.com/office/drawing/2014/main" id="{DCBDDB41-4E07-4B9B-9BCE-E42AF74E5C14}"/>
+              </a:ext>
+            </a:extLst>
+          </p:cNvPr>
+          <p:cNvPicPr>
+            <a:picLocks noChangeAspect="1"/>
+          </p:cNvPicPr>
+          <p:nvPr/>
+        </p:nvPicPr>
+        <p:blipFill>
+          <a:blip r:embed="rId2"/>
+          <a:stretch>
+            <a:fillRect/>
+          </a:stretch>
+        </p:blipFill>
+        <p:spPr>
+          <a:xfrm>
+            <a:off x="0" y="1673"/>
+            <a:ext cx="12192000" cy="6854653"/>
+          </a:xfrm>
+          <a:prstGeom prst="rect">
+            <a:avLst/>
+          </a:prstGeom>
+        </p:spPr>
+      </p:pic>
+    </p:spTree>
+    <p:extLst>
+      <p:ext uri="{BB962C8B-B14F-4D97-AF65-F5344CB8AC3E}">
+        <p14:creationId xmlns:p14="http://schemas.microsoft.com/office/powerpoint/2010/main" val="3782859119"/>
+      </p:ext>
+    </p:extLst>
+  </p:cSld>
+  <p:clrMapOvr>
+    <a:masterClrMapping/>
+  </p:clrMapOvr>
+</p:sld>
+</file>
+
+<file path=ppt/slides/slide15.xml><?xml version="1.0" encoding="utf-8"?>
+<p:sld xmlns:a="http://schemas.openxmlformats.org/drawingml/2006/main" xmlns:r="http://schemas.openxmlformats.org/officeDocument/2006/relationships" xmlns:p="http://schemas.openxmlformats.org/presentationml/2006/main">
+  <p:cSld>
+    <p:spTree>
+      <p:nvGrpSpPr>
+        <p:cNvPr id="1" name=""/>
+        <p:cNvGrpSpPr/>
+        <p:nvPr/>
+      </p:nvGrpSpPr>
+      <p:grpSpPr>
+        <a:xfrm>
+          <a:off x="0" y="0"/>
+          <a:ext cx="0" cy="0"/>
+          <a:chOff x="0" y="0"/>
+          <a:chExt cx="0" cy="0"/>
+        </a:xfrm>
+      </p:grpSpPr>
+      <p:pic>
+        <p:nvPicPr>
+          <p:cNvPr id="2" name="Imagen 1">
+            <a:extLst>
+              <a:ext uri="{FF2B5EF4-FFF2-40B4-BE49-F238E27FC236}">
+                <a16:creationId xmlns:a16="http://schemas.microsoft.com/office/drawing/2014/main" id="{0C6C5B6D-1EB1-4FB2-B1A5-6904933A2AE6}"/>
+              </a:ext>
+            </a:extLst>
+          </p:cNvPr>
+          <p:cNvPicPr>
+            <a:picLocks noChangeAspect="1"/>
+          </p:cNvPicPr>
+          <p:nvPr/>
+        </p:nvPicPr>
+        <p:blipFill>
+          <a:blip r:embed="rId2">
+            <a:extLst>
+              <a:ext uri="{28A0092B-C50C-407E-A947-70E740481C1C}">
+                <a14:useLocalDpi xmlns:a14="http://schemas.microsoft.com/office/drawing/2010/main" val="0"/>
+              </a:ext>
+            </a:extLst>
+          </a:blip>
+          <a:stretch>
+            <a:fillRect/>
+          </a:stretch>
+        </p:blipFill>
+        <p:spPr>
+          <a:xfrm>
+            <a:off x="0" y="0"/>
+            <a:ext cx="12192000" cy="6858000"/>
+          </a:xfrm>
+          <a:prstGeom prst="rect">
+            <a:avLst/>
+          </a:prstGeom>
+        </p:spPr>
+      </p:pic>
+      <p:sp>
+        <p:nvSpPr>
+          <p:cNvPr id="3" name="Título 1">
+            <a:extLst>
+              <a:ext uri="{FF2B5EF4-FFF2-40B4-BE49-F238E27FC236}">
+                <a16:creationId xmlns:a16="http://schemas.microsoft.com/office/drawing/2014/main" id="{C813C55C-F53E-43C0-A1B0-7E7E8D5338D4}"/>
+              </a:ext>
+            </a:extLst>
+          </p:cNvPr>
+          <p:cNvSpPr txBox="1">
+            <a:spLocks/>
+          </p:cNvSpPr>
+          <p:nvPr/>
+        </p:nvSpPr>
+        <p:spPr>
+          <a:xfrm>
+            <a:off x="4900853" y="2675466"/>
+            <a:ext cx="2825164" cy="1507067"/>
+          </a:xfrm>
+          <a:prstGeom prst="rect">
+            <a:avLst/>
+          </a:prstGeom>
+        </p:spPr>
+        <p:txBody>
+          <a:bodyPr/>
+          <a:lstStyle>
+            <a:lvl1pPr algn="l" defTabSz="457200" rtl="0" eaLnBrk="1" latinLnBrk="0" hangingPunct="1">
+              <a:spcBef>
+                <a:spcPct val="0"/>
+              </a:spcBef>
+              <a:buNone/>
+              <a:defRPr sz="3600" kern="1200" cap="all">
+                <a:ln w="3175" cmpd="sng">
+                  <a:noFill/>
+                </a:ln>
+                <a:solidFill>
+                  <a:schemeClr val="tx1"/>
+                </a:solidFill>
+                <a:effectLst/>
+                <a:latin typeface="+mj-lt"/>
+                <a:ea typeface="+mj-ea"/>
+                <a:cs typeface="+mj-cs"/>
+              </a:defRPr>
+            </a:lvl1pPr>
+            <a:lvl2pPr eaLnBrk="1" hangingPunct="1">
+              <a:defRPr>
+                <a:solidFill>
+                  <a:schemeClr val="tx2"/>
+                </a:solidFill>
+              </a:defRPr>
+            </a:lvl2pPr>
+            <a:lvl3pPr eaLnBrk="1" hangingPunct="1">
+              <a:defRPr>
+                <a:solidFill>
+                  <a:schemeClr val="tx2"/>
+                </a:solidFill>
+              </a:defRPr>
+            </a:lvl3pPr>
+            <a:lvl4pPr eaLnBrk="1" hangingPunct="1">
+              <a:defRPr>
+                <a:solidFill>
+                  <a:schemeClr val="tx2"/>
+                </a:solidFill>
+              </a:defRPr>
+            </a:lvl4pPr>
+            <a:lvl5pPr eaLnBrk="1" hangingPunct="1">
+              <a:defRPr>
+                <a:solidFill>
+                  <a:schemeClr val="tx2"/>
+                </a:solidFill>
+              </a:defRPr>
+            </a:lvl5pPr>
+            <a:lvl6pPr eaLnBrk="1" hangingPunct="1">
+              <a:defRPr>
+                <a:solidFill>
+                  <a:schemeClr val="tx2"/>
+                </a:solidFill>
+              </a:defRPr>
+            </a:lvl6pPr>
+            <a:lvl7pPr eaLnBrk="1" hangingPunct="1">
+              <a:defRPr>
+                <a:solidFill>
+                  <a:schemeClr val="tx2"/>
+                </a:solidFill>
+              </a:defRPr>
+            </a:lvl7pPr>
+            <a:lvl8pPr eaLnBrk="1" hangingPunct="1">
+              <a:defRPr>
+                <a:solidFill>
+                  <a:schemeClr val="tx2"/>
+                </a:solidFill>
+              </a:defRPr>
+            </a:lvl8pPr>
+            <a:lvl9pPr eaLnBrk="1" hangingPunct="1">
+              <a:defRPr>
+                <a:solidFill>
+                  <a:schemeClr val="tx2"/>
+                </a:solidFill>
+              </a:defRPr>
+            </a:lvl9pPr>
+          </a:lstStyle>
+          <a:p>
+            <a:r>
+              <a:rPr lang="es-MX" dirty="0">
+                <a:solidFill>
+                  <a:schemeClr val="bg1"/>
+                </a:solidFill>
+              </a:rPr>
+              <a:t>Spring </a:t>
+            </a:r>
+            <a:r>
+              <a:rPr lang="es-MX" dirty="0" err="1">
+                <a:solidFill>
+                  <a:schemeClr val="bg1"/>
+                </a:solidFill>
+              </a:rPr>
+              <a:t>batch</a:t>
+            </a:r>
+            <a:endParaRPr lang="es-MX" dirty="0">
+              <a:solidFill>
+                <a:schemeClr val="bg1"/>
+              </a:solidFill>
+            </a:endParaRPr>
+          </a:p>
+        </p:txBody>
+      </p:sp>
+    </p:spTree>
+    <p:extLst>
+      <p:ext uri="{BB962C8B-B14F-4D97-AF65-F5344CB8AC3E}">
+        <p14:creationId xmlns:p14="http://schemas.microsoft.com/office/powerpoint/2010/main" val="2152530312"/>
+      </p:ext>
+    </p:extLst>
+  </p:cSld>
+  <p:clrMapOvr>
+    <a:masterClrMapping/>
+  </p:clrMapOvr>
+</p:sld>
+</file>
+
+<file path=ppt/slides/slide16.xml><?xml version="1.0" encoding="utf-8"?>
+<p:sld xmlns:a="http://schemas.openxmlformats.org/drawingml/2006/main" xmlns:r="http://schemas.openxmlformats.org/officeDocument/2006/relationships" xmlns:p="http://schemas.openxmlformats.org/presentationml/2006/main">
+  <p:cSld>
+    <p:spTree>
+      <p:nvGrpSpPr>
+        <p:cNvPr id="1" name=""/>
+        <p:cNvGrpSpPr/>
+        <p:nvPr/>
+      </p:nvGrpSpPr>
+      <p:grpSpPr>
+        <a:xfrm>
+          <a:off x="0" y="0"/>
+          <a:ext cx="0" cy="0"/>
+          <a:chOff x="0" y="0"/>
+          <a:chExt cx="0" cy="0"/>
+        </a:xfrm>
+      </p:grpSpPr>
+      <p:pic>
+        <p:nvPicPr>
+          <p:cNvPr id="3" name="Imagen 2">
+            <a:extLst>
+              <a:ext uri="{FF2B5EF4-FFF2-40B4-BE49-F238E27FC236}">
+                <a16:creationId xmlns:a16="http://schemas.microsoft.com/office/drawing/2014/main" id="{A3D766A4-1BC4-44D8-9FD2-79AC0FBEAFB1}"/>
+              </a:ext>
+            </a:extLst>
+          </p:cNvPr>
+          <p:cNvPicPr>
+            <a:picLocks noChangeAspect="1"/>
+          </p:cNvPicPr>
+          <p:nvPr/>
+        </p:nvPicPr>
+        <p:blipFill>
+          <a:blip r:embed="rId2">
+            <a:extLst>
+              <a:ext uri="{28A0092B-C50C-407E-A947-70E740481C1C}">
+                <a14:useLocalDpi xmlns:a14="http://schemas.microsoft.com/office/drawing/2010/main" val="0"/>
+              </a:ext>
+            </a:extLst>
+          </a:blip>
+          <a:stretch>
+            <a:fillRect/>
+          </a:stretch>
+        </p:blipFill>
+        <p:spPr>
+          <a:xfrm>
+            <a:off x="16700" y="0"/>
+            <a:ext cx="12175300" cy="6858000"/>
+          </a:xfrm>
+          <a:prstGeom prst="rect">
+            <a:avLst/>
+          </a:prstGeom>
+        </p:spPr>
+      </p:pic>
+    </p:spTree>
+    <p:extLst>
+      <p:ext uri="{BB962C8B-B14F-4D97-AF65-F5344CB8AC3E}">
+        <p14:creationId xmlns:p14="http://schemas.microsoft.com/office/powerpoint/2010/main" val="1265837922"/>
       </p:ext>
     </p:extLst>
   </p:cSld>

--- a/Exámenes/Semana03/Examen Semana03.pptx
+++ b/Exámenes/Semana03/Examen Semana03.pptx
@@ -19,8 +19,10 @@
     <p:sldId id="271" r:id="rId13"/>
     <p:sldId id="268" r:id="rId14"/>
     <p:sldId id="267" r:id="rId15"/>
-    <p:sldId id="269" r:id="rId16"/>
-    <p:sldId id="270" r:id="rId17"/>
+    <p:sldId id="273" r:id="rId16"/>
+    <p:sldId id="269" r:id="rId17"/>
+    <p:sldId id="270" r:id="rId18"/>
+    <p:sldId id="272" r:id="rId19"/>
   </p:sldIdLst>
   <p:sldSz cx="12192000" cy="6858000"/>
   <p:notesSz cx="6858000" cy="9144000"/>
@@ -318,7 +320,7 @@
           <a:p>
             <a:fld id="{ECBF2EEC-35D9-4299-9E74-3239A05EA468}" type="datetimeFigureOut">
               <a:rPr lang="es-MX" smtClean="0"/>
-              <a:t>08/12/2022</a:t>
+              <a:t>09/12/2022</a:t>
             </a:fld>
             <a:endParaRPr lang="es-MX"/>
           </a:p>
@@ -754,7 +756,7 @@
           <a:p>
             <a:fld id="{ECBF2EEC-35D9-4299-9E74-3239A05EA468}" type="datetimeFigureOut">
               <a:rPr lang="es-MX" smtClean="0"/>
-              <a:t>08/12/2022</a:t>
+              <a:t>09/12/2022</a:t>
             </a:fld>
             <a:endParaRPr lang="es-MX"/>
           </a:p>
@@ -1004,7 +1006,7 @@
           <a:p>
             <a:fld id="{ECBF2EEC-35D9-4299-9E74-3239A05EA468}" type="datetimeFigureOut">
               <a:rPr lang="es-MX" smtClean="0"/>
-              <a:t>08/12/2022</a:t>
+              <a:t>09/12/2022</a:t>
             </a:fld>
             <a:endParaRPr lang="es-MX"/>
           </a:p>
@@ -1312,7 +1314,7 @@
           <a:p>
             <a:fld id="{ECBF2EEC-35D9-4299-9E74-3239A05EA468}" type="datetimeFigureOut">
               <a:rPr lang="es-MX" smtClean="0"/>
-              <a:t>08/12/2022</a:t>
+              <a:t>09/12/2022</a:t>
             </a:fld>
             <a:endParaRPr lang="es-MX"/>
           </a:p>
@@ -1630,7 +1632,7 @@
           <a:p>
             <a:fld id="{ECBF2EEC-35D9-4299-9E74-3239A05EA468}" type="datetimeFigureOut">
               <a:rPr lang="es-MX" smtClean="0"/>
-              <a:t>08/12/2022</a:t>
+              <a:t>09/12/2022</a:t>
             </a:fld>
             <a:endParaRPr lang="es-MX"/>
           </a:p>
@@ -1932,7 +1934,7 @@
           <a:p>
             <a:fld id="{ECBF2EEC-35D9-4299-9E74-3239A05EA468}" type="datetimeFigureOut">
               <a:rPr lang="es-MX" smtClean="0"/>
-              <a:t>08/12/2022</a:t>
+              <a:t>09/12/2022</a:t>
             </a:fld>
             <a:endParaRPr lang="es-MX"/>
           </a:p>
@@ -2299,7 +2301,7 @@
           <a:p>
             <a:fld id="{ECBF2EEC-35D9-4299-9E74-3239A05EA468}" type="datetimeFigureOut">
               <a:rPr lang="es-MX" smtClean="0"/>
-              <a:t>08/12/2022</a:t>
+              <a:t>09/12/2022</a:t>
             </a:fld>
             <a:endParaRPr lang="es-MX"/>
           </a:p>
@@ -2473,7 +2475,7 @@
           <a:p>
             <a:fld id="{ECBF2EEC-35D9-4299-9E74-3239A05EA468}" type="datetimeFigureOut">
               <a:rPr lang="es-MX" smtClean="0"/>
-              <a:t>08/12/2022</a:t>
+              <a:t>09/12/2022</a:t>
             </a:fld>
             <a:endParaRPr lang="es-MX"/>
           </a:p>
@@ -2653,7 +2655,7 @@
           <a:p>
             <a:fld id="{ECBF2EEC-35D9-4299-9E74-3239A05EA468}" type="datetimeFigureOut">
               <a:rPr lang="es-MX" smtClean="0"/>
-              <a:t>08/12/2022</a:t>
+              <a:t>09/12/2022</a:t>
             </a:fld>
             <a:endParaRPr lang="es-MX"/>
           </a:p>
@@ -2823,7 +2825,7 @@
           <a:p>
             <a:fld id="{ECBF2EEC-35D9-4299-9E74-3239A05EA468}" type="datetimeFigureOut">
               <a:rPr lang="es-MX" smtClean="0"/>
-              <a:t>08/12/2022</a:t>
+              <a:t>09/12/2022</a:t>
             </a:fld>
             <a:endParaRPr lang="es-MX"/>
           </a:p>
@@ -3073,7 +3075,7 @@
           <a:p>
             <a:fld id="{ECBF2EEC-35D9-4299-9E74-3239A05EA468}" type="datetimeFigureOut">
               <a:rPr lang="es-MX" smtClean="0"/>
-              <a:t>08/12/2022</a:t>
+              <a:t>09/12/2022</a:t>
             </a:fld>
             <a:endParaRPr lang="es-MX"/>
           </a:p>
@@ -3309,7 +3311,7 @@
           <a:p>
             <a:fld id="{ECBF2EEC-35D9-4299-9E74-3239A05EA468}" type="datetimeFigureOut">
               <a:rPr lang="es-MX" smtClean="0"/>
-              <a:t>08/12/2022</a:t>
+              <a:t>09/12/2022</a:t>
             </a:fld>
             <a:endParaRPr lang="es-MX"/>
           </a:p>
@@ -3691,7 +3693,7 @@
           <a:p>
             <a:fld id="{ECBF2EEC-35D9-4299-9E74-3239A05EA468}" type="datetimeFigureOut">
               <a:rPr lang="es-MX" smtClean="0"/>
-              <a:t>08/12/2022</a:t>
+              <a:t>09/12/2022</a:t>
             </a:fld>
             <a:endParaRPr lang="es-MX"/>
           </a:p>
@@ -3809,7 +3811,7 @@
           <a:p>
             <a:fld id="{ECBF2EEC-35D9-4299-9E74-3239A05EA468}" type="datetimeFigureOut">
               <a:rPr lang="es-MX" smtClean="0"/>
-              <a:t>08/12/2022</a:t>
+              <a:t>09/12/2022</a:t>
             </a:fld>
             <a:endParaRPr lang="es-MX"/>
           </a:p>
@@ -3904,7 +3906,7 @@
           <a:p>
             <a:fld id="{ECBF2EEC-35D9-4299-9E74-3239A05EA468}" type="datetimeFigureOut">
               <a:rPr lang="es-MX" smtClean="0"/>
-              <a:t>08/12/2022</a:t>
+              <a:t>09/12/2022</a:t>
             </a:fld>
             <a:endParaRPr lang="es-MX"/>
           </a:p>
@@ -4159,7 +4161,7 @@
           <a:p>
             <a:fld id="{ECBF2EEC-35D9-4299-9E74-3239A05EA468}" type="datetimeFigureOut">
               <a:rPr lang="es-MX" smtClean="0"/>
-              <a:t>08/12/2022</a:t>
+              <a:t>09/12/2022</a:t>
             </a:fld>
             <a:endParaRPr lang="es-MX"/>
           </a:p>
@@ -4442,7 +4444,7 @@
           <a:p>
             <a:fld id="{ECBF2EEC-35D9-4299-9E74-3239A05EA468}" type="datetimeFigureOut">
               <a:rPr lang="es-MX" smtClean="0"/>
-              <a:t>08/12/2022</a:t>
+              <a:t>09/12/2022</a:t>
             </a:fld>
             <a:endParaRPr lang="es-MX"/>
           </a:p>
@@ -4848,7 +4850,7 @@
           <a:p>
             <a:fld id="{ECBF2EEC-35D9-4299-9E74-3239A05EA468}" type="datetimeFigureOut">
               <a:rPr lang="es-MX" smtClean="0"/>
-              <a:t>08/12/2022</a:t>
+              <a:t>09/12/2022</a:t>
             </a:fld>
             <a:endParaRPr lang="es-MX"/>
           </a:p>
@@ -5809,6 +5811,42 @@
       </p:grpSpPr>
       <p:pic>
         <p:nvPicPr>
+          <p:cNvPr id="3" name="Imagen 2">
+            <a:extLst>
+              <a:ext uri="{FF2B5EF4-FFF2-40B4-BE49-F238E27FC236}">
+                <a16:creationId xmlns:a16="http://schemas.microsoft.com/office/drawing/2014/main" id="{D10BF80C-2734-4D29-999A-94A0639C82EB}"/>
+              </a:ext>
+            </a:extLst>
+          </p:cNvPr>
+          <p:cNvPicPr>
+            <a:picLocks noChangeAspect="1"/>
+          </p:cNvPicPr>
+          <p:nvPr/>
+        </p:nvPicPr>
+        <p:blipFill>
+          <a:blip r:embed="rId2">
+            <a:extLst>
+              <a:ext uri="{28A0092B-C50C-407E-A947-70E740481C1C}">
+                <a14:useLocalDpi xmlns:a14="http://schemas.microsoft.com/office/drawing/2010/main" val="0"/>
+              </a:ext>
+            </a:extLst>
+          </a:blip>
+          <a:stretch>
+            <a:fillRect/>
+          </a:stretch>
+        </p:blipFill>
+        <p:spPr>
+          <a:xfrm>
+            <a:off x="0" y="0"/>
+            <a:ext cx="12192000" cy="6858000"/>
+          </a:xfrm>
+          <a:prstGeom prst="rect">
+            <a:avLst/>
+          </a:prstGeom>
+        </p:spPr>
+      </p:pic>
+      <p:pic>
+        <p:nvPicPr>
           <p:cNvPr id="2" name="Imagen 1">
             <a:extLst>
               <a:ext uri="{FF2B5EF4-FFF2-40B4-BE49-F238E27FC236}">
@@ -5822,7 +5860,7 @@
           <p:nvPr/>
         </p:nvPicPr>
         <p:blipFill>
-          <a:blip r:embed="rId2"/>
+          <a:blip r:embed="rId3"/>
           <a:stretch>
             <a:fillRect/>
           </a:stretch>
@@ -6720,7 +6758,7 @@
         </p:blipFill>
         <p:spPr>
           <a:xfrm>
-            <a:off x="0" y="1673"/>
+            <a:off x="0" y="-11579"/>
             <a:ext cx="12192000" cy="6854653"/>
           </a:xfrm>
           <a:prstGeom prst="rect">
@@ -6742,6 +6780,175 @@
 </file>
 
 <file path=ppt/slides/slide15.xml><?xml version="1.0" encoding="utf-8"?>
+<p:sld xmlns:a="http://schemas.openxmlformats.org/drawingml/2006/main" xmlns:r="http://schemas.openxmlformats.org/officeDocument/2006/relationships" xmlns:p="http://schemas.openxmlformats.org/presentationml/2006/main">
+  <p:cSld>
+    <p:spTree>
+      <p:nvGrpSpPr>
+        <p:cNvPr id="1" name=""/>
+        <p:cNvGrpSpPr/>
+        <p:nvPr/>
+      </p:nvGrpSpPr>
+      <p:grpSpPr>
+        <a:xfrm>
+          <a:off x="0" y="0"/>
+          <a:ext cx="0" cy="0"/>
+          <a:chOff x="0" y="0"/>
+          <a:chExt cx="0" cy="0"/>
+        </a:xfrm>
+      </p:grpSpPr>
+      <p:pic>
+        <p:nvPicPr>
+          <p:cNvPr id="3" name="Imagen 2">
+            <a:extLst>
+              <a:ext uri="{FF2B5EF4-FFF2-40B4-BE49-F238E27FC236}">
+                <a16:creationId xmlns:a16="http://schemas.microsoft.com/office/drawing/2014/main" id="{384EBB12-A474-43F7-8509-A69F2936FB67}"/>
+              </a:ext>
+            </a:extLst>
+          </p:cNvPr>
+          <p:cNvPicPr>
+            <a:picLocks noChangeAspect="1"/>
+          </p:cNvPicPr>
+          <p:nvPr/>
+        </p:nvPicPr>
+        <p:blipFill>
+          <a:blip r:embed="rId2">
+            <a:extLst>
+              <a:ext uri="{28A0092B-C50C-407E-A947-70E740481C1C}">
+                <a14:useLocalDpi xmlns:a14="http://schemas.microsoft.com/office/drawing/2010/main" val="0"/>
+              </a:ext>
+            </a:extLst>
+          </a:blip>
+          <a:stretch>
+            <a:fillRect/>
+          </a:stretch>
+        </p:blipFill>
+        <p:spPr>
+          <a:xfrm>
+            <a:off x="0" y="0"/>
+            <a:ext cx="12192000" cy="6858000"/>
+          </a:xfrm>
+          <a:prstGeom prst="rect">
+            <a:avLst/>
+          </a:prstGeom>
+        </p:spPr>
+      </p:pic>
+      <p:sp>
+        <p:nvSpPr>
+          <p:cNvPr id="2" name="Rectángulo 1">
+            <a:extLst>
+              <a:ext uri="{FF2B5EF4-FFF2-40B4-BE49-F238E27FC236}">
+                <a16:creationId xmlns:a16="http://schemas.microsoft.com/office/drawing/2014/main" id="{0005C74B-A4F7-44D0-A9C8-E018126C8BE8}"/>
+              </a:ext>
+            </a:extLst>
+          </p:cNvPr>
+          <p:cNvSpPr/>
+          <p:nvPr/>
+        </p:nvSpPr>
+        <p:spPr>
+          <a:xfrm>
+            <a:off x="3048000" y="2413338"/>
+            <a:ext cx="6096000" cy="369332"/>
+          </a:xfrm>
+          <a:prstGeom prst="rect">
+            <a:avLst/>
+          </a:prstGeom>
+        </p:spPr>
+        <p:txBody>
+          <a:bodyPr>
+            <a:spAutoFit/>
+          </a:bodyPr>
+          <a:lstStyle/>
+          <a:p>
+            <a:pPr algn="ctr"/>
+            <a:endParaRPr lang="es-MX" b="1" dirty="0">
+              <a:solidFill>
+                <a:schemeClr val="bg1"/>
+              </a:solidFill>
+            </a:endParaRPr>
+          </a:p>
+        </p:txBody>
+      </p:sp>
+      <p:sp>
+        <p:nvSpPr>
+          <p:cNvPr id="4" name="CuadroTexto 3">
+            <a:extLst>
+              <a:ext uri="{FF2B5EF4-FFF2-40B4-BE49-F238E27FC236}">
+                <a16:creationId xmlns:a16="http://schemas.microsoft.com/office/drawing/2014/main" id="{90F1A1B2-555C-4CE4-BCC5-62D1571BC317}"/>
+              </a:ext>
+            </a:extLst>
+          </p:cNvPr>
+          <p:cNvSpPr txBox="1"/>
+          <p:nvPr/>
+        </p:nvSpPr>
+        <p:spPr>
+          <a:xfrm>
+            <a:off x="3783495" y="1895061"/>
+            <a:ext cx="4625009" cy="3416320"/>
+          </a:xfrm>
+          <a:prstGeom prst="rect">
+            <a:avLst/>
+          </a:prstGeom>
+          <a:noFill/>
+        </p:spPr>
+        <p:txBody>
+          <a:bodyPr wrap="square" rtlCol="0">
+            <a:spAutoFit/>
+          </a:bodyPr>
+          <a:lstStyle/>
+          <a:p>
+            <a:pPr algn="ctr"/>
+            <a:r>
+              <a:rPr lang="en-US" b="1" dirty="0">
+                <a:solidFill>
+                  <a:schemeClr val="bg1"/>
+                </a:solidFill>
+              </a:rPr>
+              <a:t>The program is a crud using Spring and Hibernate, these frameworks, minimize the lines of code obtained in the previous exercise, seeing the fundamental purpose of any framework.</a:t>
+            </a:r>
+          </a:p>
+          <a:p>
+            <a:pPr algn="ctr"/>
+            <a:r>
+              <a:rPr lang="en-US" b="1" dirty="0">
+                <a:solidFill>
+                  <a:schemeClr val="bg1"/>
+                </a:solidFill>
+              </a:rPr>
+              <a:t>Being Hibernate capable of mapping the data extracted from the database and sharing this information through the Java files that make up the project.</a:t>
+            </a:r>
+          </a:p>
+          <a:p>
+            <a:pPr algn="ctr"/>
+            <a:r>
+              <a:rPr lang="en-US" b="1" dirty="0">
+                <a:solidFill>
+                  <a:schemeClr val="bg1"/>
+                </a:solidFill>
+              </a:rPr>
+              <a:t>The dependencies were pulled in via Maven.</a:t>
+            </a:r>
+            <a:endParaRPr lang="es-MX" b="1" dirty="0">
+              <a:solidFill>
+                <a:schemeClr val="bg1"/>
+              </a:solidFill>
+            </a:endParaRPr>
+          </a:p>
+        </p:txBody>
+      </p:sp>
+    </p:spTree>
+    <p:extLst>
+      <p:ext uri="{BB962C8B-B14F-4D97-AF65-F5344CB8AC3E}">
+        <p14:creationId xmlns:p14="http://schemas.microsoft.com/office/powerpoint/2010/main" val="3344636267"/>
+      </p:ext>
+    </p:extLst>
+  </p:cSld>
+  <p:clrMapOvr>
+    <a:masterClrMapping/>
+  </p:clrMapOvr>
+</p:sld>
+</file>
+
+<file path=ppt/slides/slide16.xml><?xml version="1.0" encoding="utf-8"?>
 <p:sld xmlns:a="http://schemas.openxmlformats.org/drawingml/2006/main" xmlns:r="http://schemas.openxmlformats.org/officeDocument/2006/relationships" xmlns:p="http://schemas.openxmlformats.org/presentationml/2006/main">
   <p:cSld>
     <p:spTree>
@@ -6933,7 +7140,7 @@
 </p:sld>
 </file>
 
-<file path=ppt/slides/slide16.xml><?xml version="1.0" encoding="utf-8"?>
+<file path=ppt/slides/slide17.xml><?xml version="1.0" encoding="utf-8"?>
 <p:sld xmlns:a="http://schemas.openxmlformats.org/drawingml/2006/main" xmlns:r="http://schemas.openxmlformats.org/officeDocument/2006/relationships" xmlns:p="http://schemas.openxmlformats.org/presentationml/2006/main">
   <p:cSld>
     <p:spTree>
@@ -6990,6 +7197,1818 @@
     <p:extLst>
       <p:ext uri="{BB962C8B-B14F-4D97-AF65-F5344CB8AC3E}">
         <p14:creationId xmlns:p14="http://schemas.microsoft.com/office/powerpoint/2010/main" val="1265837922"/>
+      </p:ext>
+    </p:extLst>
+  </p:cSld>
+  <p:clrMapOvr>
+    <a:masterClrMapping/>
+  </p:clrMapOvr>
+</p:sld>
+</file>
+
+<file path=ppt/slides/slide18.xml><?xml version="1.0" encoding="utf-8"?>
+<p:sld xmlns:a="http://schemas.openxmlformats.org/drawingml/2006/main" xmlns:r="http://schemas.openxmlformats.org/officeDocument/2006/relationships" xmlns:p="http://schemas.openxmlformats.org/presentationml/2006/main">
+  <p:cSld>
+    <p:spTree>
+      <p:nvGrpSpPr>
+        <p:cNvPr id="1" name=""/>
+        <p:cNvGrpSpPr/>
+        <p:nvPr/>
+      </p:nvGrpSpPr>
+      <p:grpSpPr>
+        <a:xfrm>
+          <a:off x="0" y="0"/>
+          <a:ext cx="0" cy="0"/>
+          <a:chOff x="0" y="0"/>
+          <a:chExt cx="0" cy="0"/>
+        </a:xfrm>
+      </p:grpSpPr>
+      <p:pic>
+        <p:nvPicPr>
+          <p:cNvPr id="4" name="Imagen 3">
+            <a:extLst>
+              <a:ext uri="{FF2B5EF4-FFF2-40B4-BE49-F238E27FC236}">
+                <a16:creationId xmlns:a16="http://schemas.microsoft.com/office/drawing/2014/main" id="{8FD49508-CDDF-4BC7-B2E9-4D9623E29316}"/>
+              </a:ext>
+            </a:extLst>
+          </p:cNvPr>
+          <p:cNvPicPr>
+            <a:picLocks noChangeAspect="1"/>
+          </p:cNvPicPr>
+          <p:nvPr/>
+        </p:nvPicPr>
+        <p:blipFill>
+          <a:blip r:embed="rId2">
+            <a:extLst>
+              <a:ext uri="{28A0092B-C50C-407E-A947-70E740481C1C}">
+                <a14:useLocalDpi xmlns:a14="http://schemas.microsoft.com/office/drawing/2010/main" val="0"/>
+              </a:ext>
+            </a:extLst>
+          </a:blip>
+          <a:stretch>
+            <a:fillRect/>
+          </a:stretch>
+        </p:blipFill>
+        <p:spPr>
+          <a:xfrm>
+            <a:off x="0" y="0"/>
+            <a:ext cx="12192000" cy="6858000"/>
+          </a:xfrm>
+          <a:prstGeom prst="rect">
+            <a:avLst/>
+          </a:prstGeom>
+        </p:spPr>
+      </p:pic>
+      <p:sp>
+        <p:nvSpPr>
+          <p:cNvPr id="2" name="Rectángulo 1">
+            <a:extLst>
+              <a:ext uri="{FF2B5EF4-FFF2-40B4-BE49-F238E27FC236}">
+                <a16:creationId xmlns:a16="http://schemas.microsoft.com/office/drawing/2014/main" id="{C3CA6B3A-5D37-496E-91FE-649822022AA7}"/>
+              </a:ext>
+            </a:extLst>
+          </p:cNvPr>
+          <p:cNvSpPr/>
+          <p:nvPr/>
+        </p:nvSpPr>
+        <p:spPr>
+          <a:xfrm>
+            <a:off x="0" y="1204436"/>
+            <a:ext cx="6096000" cy="1200329"/>
+          </a:xfrm>
+          <a:prstGeom prst="rect">
+            <a:avLst/>
+          </a:prstGeom>
+        </p:spPr>
+        <p:txBody>
+          <a:bodyPr>
+            <a:spAutoFit/>
+          </a:bodyPr>
+          <a:lstStyle/>
+          <a:p>
+            <a:r>
+              <a:rPr lang="es-MX" b="1" dirty="0">
+                <a:solidFill>
+                  <a:schemeClr val="bg1"/>
+                </a:solidFill>
+              </a:rPr>
+              <a:t>Spring </a:t>
+            </a:r>
+            <a:r>
+              <a:rPr lang="es-MX" b="1" dirty="0" err="1">
+                <a:solidFill>
+                  <a:schemeClr val="bg1"/>
+                </a:solidFill>
+              </a:rPr>
+              <a:t>batch</a:t>
+            </a:r>
+            <a:r>
+              <a:rPr lang="es-MX" b="1" dirty="0">
+                <a:solidFill>
+                  <a:schemeClr val="bg1"/>
+                </a:solidFill>
+              </a:rPr>
+              <a:t> </a:t>
+            </a:r>
+            <a:r>
+              <a:rPr lang="es-MX" b="1" dirty="0" err="1">
+                <a:solidFill>
+                  <a:schemeClr val="bg1"/>
+                </a:solidFill>
+              </a:rPr>
+              <a:t>is</a:t>
+            </a:r>
+            <a:r>
+              <a:rPr lang="es-MX" b="1" dirty="0">
+                <a:solidFill>
+                  <a:schemeClr val="bg1"/>
+                </a:solidFill>
+              </a:rPr>
+              <a:t> </a:t>
+            </a:r>
+            <a:r>
+              <a:rPr lang="es-MX" b="1" dirty="0" err="1">
+                <a:solidFill>
+                  <a:schemeClr val="bg1"/>
+                </a:solidFill>
+              </a:rPr>
+              <a:t>thinking</a:t>
+            </a:r>
+            <a:r>
+              <a:rPr lang="es-MX" b="1" dirty="0">
+                <a:solidFill>
+                  <a:schemeClr val="bg1"/>
+                </a:solidFill>
+              </a:rPr>
+              <a:t> </a:t>
+            </a:r>
+            <a:r>
+              <a:rPr lang="es-MX" b="1" dirty="0" err="1">
+                <a:solidFill>
+                  <a:schemeClr val="bg1"/>
+                </a:solidFill>
+              </a:rPr>
+              <a:t>about</a:t>
+            </a:r>
+            <a:r>
+              <a:rPr lang="es-MX" b="1" dirty="0">
+                <a:solidFill>
+                  <a:schemeClr val="bg1"/>
+                </a:solidFill>
+              </a:rPr>
+              <a:t> </a:t>
+            </a:r>
+            <a:r>
+              <a:rPr lang="es-MX" b="1" dirty="0" err="1">
+                <a:solidFill>
+                  <a:schemeClr val="bg1"/>
+                </a:solidFill>
+              </a:rPr>
+              <a:t>memory</a:t>
+            </a:r>
+            <a:r>
+              <a:rPr lang="es-MX" b="1" dirty="0">
+                <a:solidFill>
+                  <a:schemeClr val="bg1"/>
+                </a:solidFill>
+              </a:rPr>
+              <a:t> </a:t>
+            </a:r>
+            <a:r>
+              <a:rPr lang="es-MX" b="1" dirty="0" err="1">
+                <a:solidFill>
+                  <a:schemeClr val="bg1"/>
+                </a:solidFill>
+              </a:rPr>
+              <a:t>processing</a:t>
+            </a:r>
+            <a:r>
+              <a:rPr lang="es-MX" b="1" dirty="0">
+                <a:solidFill>
+                  <a:schemeClr val="bg1"/>
+                </a:solidFill>
+              </a:rPr>
+              <a:t>. </a:t>
+            </a:r>
+            <a:r>
+              <a:rPr lang="es-MX" b="1" dirty="0" err="1">
+                <a:solidFill>
+                  <a:schemeClr val="bg1"/>
+                </a:solidFill>
+              </a:rPr>
+              <a:t>This</a:t>
+            </a:r>
+            <a:r>
+              <a:rPr lang="es-MX" b="1" dirty="0">
+                <a:solidFill>
+                  <a:schemeClr val="bg1"/>
+                </a:solidFill>
+              </a:rPr>
+              <a:t> </a:t>
+            </a:r>
+            <a:r>
+              <a:rPr lang="es-MX" b="1" dirty="0" err="1">
+                <a:solidFill>
+                  <a:schemeClr val="bg1"/>
+                </a:solidFill>
+              </a:rPr>
+              <a:t>repository</a:t>
+            </a:r>
+            <a:r>
+              <a:rPr lang="es-MX" b="1" dirty="0">
+                <a:solidFill>
+                  <a:schemeClr val="bg1"/>
+                </a:solidFill>
+              </a:rPr>
+              <a:t> </a:t>
+            </a:r>
+            <a:r>
+              <a:rPr lang="es-MX" b="1" dirty="0" err="1">
+                <a:solidFill>
+                  <a:schemeClr val="bg1"/>
+                </a:solidFill>
+              </a:rPr>
+              <a:t>is</a:t>
+            </a:r>
+            <a:r>
+              <a:rPr lang="es-MX" b="1" dirty="0">
+                <a:solidFill>
+                  <a:schemeClr val="bg1"/>
+                </a:solidFill>
+              </a:rPr>
+              <a:t> </a:t>
+            </a:r>
+            <a:r>
+              <a:rPr lang="es-MX" b="1" dirty="0" err="1">
+                <a:solidFill>
+                  <a:schemeClr val="bg1"/>
+                </a:solidFill>
+              </a:rPr>
+              <a:t>used</a:t>
+            </a:r>
+            <a:r>
+              <a:rPr lang="es-MX" b="1" dirty="0">
+                <a:solidFill>
+                  <a:schemeClr val="bg1"/>
+                </a:solidFill>
+              </a:rPr>
+              <a:t> </a:t>
+            </a:r>
+            <a:r>
+              <a:rPr lang="es-MX" b="1" dirty="0" err="1">
+                <a:solidFill>
+                  <a:schemeClr val="bg1"/>
+                </a:solidFill>
+              </a:rPr>
+              <a:t>mainly</a:t>
+            </a:r>
+            <a:r>
+              <a:rPr lang="es-MX" b="1" dirty="0">
+                <a:solidFill>
+                  <a:schemeClr val="bg1"/>
+                </a:solidFill>
+              </a:rPr>
+              <a:t> </a:t>
+            </a:r>
+            <a:r>
+              <a:rPr lang="es-MX" b="1" dirty="0" err="1">
+                <a:solidFill>
+                  <a:schemeClr val="bg1"/>
+                </a:solidFill>
+              </a:rPr>
+              <a:t>for</a:t>
+            </a:r>
+            <a:r>
+              <a:rPr lang="es-MX" b="1" dirty="0">
+                <a:solidFill>
+                  <a:schemeClr val="bg1"/>
+                </a:solidFill>
+              </a:rPr>
+              <a:t> </a:t>
+            </a:r>
+            <a:r>
+              <a:rPr lang="es-MX" b="1" dirty="0" err="1">
+                <a:solidFill>
+                  <a:schemeClr val="bg1"/>
+                </a:solidFill>
+              </a:rPr>
+              <a:t>writing</a:t>
+            </a:r>
+            <a:r>
+              <a:rPr lang="es-MX" b="1" dirty="0">
+                <a:solidFill>
+                  <a:schemeClr val="bg1"/>
+                </a:solidFill>
+              </a:rPr>
+              <a:t>, </a:t>
+            </a:r>
+            <a:r>
+              <a:rPr lang="es-MX" b="1" dirty="0" err="1">
+                <a:solidFill>
+                  <a:schemeClr val="bg1"/>
+                </a:solidFill>
+              </a:rPr>
+              <a:t>although</a:t>
+            </a:r>
+            <a:r>
+              <a:rPr lang="es-MX" b="1" dirty="0">
+                <a:solidFill>
+                  <a:schemeClr val="bg1"/>
+                </a:solidFill>
+              </a:rPr>
+              <a:t> </a:t>
+            </a:r>
+            <a:r>
+              <a:rPr lang="es-MX" b="1" dirty="0" err="1">
+                <a:solidFill>
+                  <a:schemeClr val="bg1"/>
+                </a:solidFill>
+              </a:rPr>
+              <a:t>it</a:t>
+            </a:r>
+            <a:r>
+              <a:rPr lang="es-MX" b="1" dirty="0">
+                <a:solidFill>
+                  <a:schemeClr val="bg1"/>
+                </a:solidFill>
+              </a:rPr>
+              <a:t> </a:t>
+            </a:r>
+            <a:r>
+              <a:rPr lang="es-MX" b="1" dirty="0" err="1">
+                <a:solidFill>
+                  <a:schemeClr val="bg1"/>
+                </a:solidFill>
+              </a:rPr>
+              <a:t>is</a:t>
+            </a:r>
+            <a:r>
+              <a:rPr lang="es-MX" b="1" dirty="0">
+                <a:solidFill>
+                  <a:schemeClr val="bg1"/>
+                </a:solidFill>
+              </a:rPr>
+              <a:t> </a:t>
+            </a:r>
+            <a:r>
+              <a:rPr lang="es-MX" b="1" dirty="0" err="1">
+                <a:solidFill>
+                  <a:schemeClr val="bg1"/>
+                </a:solidFill>
+              </a:rPr>
+              <a:t>also</a:t>
+            </a:r>
+            <a:r>
+              <a:rPr lang="es-MX" b="1" dirty="0">
+                <a:solidFill>
+                  <a:schemeClr val="bg1"/>
+                </a:solidFill>
+              </a:rPr>
+              <a:t> </a:t>
+            </a:r>
+            <a:r>
+              <a:rPr lang="es-MX" b="1" dirty="0" err="1">
+                <a:solidFill>
+                  <a:schemeClr val="bg1"/>
+                </a:solidFill>
+              </a:rPr>
+              <a:t>consulted</a:t>
+            </a:r>
+            <a:r>
+              <a:rPr lang="es-MX" b="1" dirty="0">
+                <a:solidFill>
+                  <a:schemeClr val="bg1"/>
+                </a:solidFill>
+              </a:rPr>
+              <a:t> </a:t>
+            </a:r>
+            <a:r>
+              <a:rPr lang="es-MX" b="1" dirty="0" err="1">
+                <a:solidFill>
+                  <a:schemeClr val="bg1"/>
+                </a:solidFill>
+              </a:rPr>
+              <a:t>to</a:t>
+            </a:r>
+            <a:r>
+              <a:rPr lang="es-MX" b="1" dirty="0">
+                <a:solidFill>
+                  <a:schemeClr val="bg1"/>
+                </a:solidFill>
+              </a:rPr>
+              <a:t> </a:t>
+            </a:r>
+            <a:r>
+              <a:rPr lang="es-MX" b="1" dirty="0" err="1">
+                <a:solidFill>
+                  <a:schemeClr val="bg1"/>
+                </a:solidFill>
+              </a:rPr>
+              <a:t>check</a:t>
+            </a:r>
+            <a:r>
+              <a:rPr lang="es-MX" b="1" dirty="0">
+                <a:solidFill>
+                  <a:schemeClr val="bg1"/>
+                </a:solidFill>
+              </a:rPr>
+              <a:t> </a:t>
+            </a:r>
+            <a:r>
+              <a:rPr lang="es-MX" b="1" dirty="0" err="1">
+                <a:solidFill>
+                  <a:schemeClr val="bg1"/>
+                </a:solidFill>
+              </a:rPr>
+              <a:t>if</a:t>
+            </a:r>
+            <a:r>
+              <a:rPr lang="es-MX" b="1" dirty="0">
+                <a:solidFill>
+                  <a:schemeClr val="bg1"/>
+                </a:solidFill>
+              </a:rPr>
+              <a:t> a file has </a:t>
+            </a:r>
+            <a:r>
+              <a:rPr lang="es-MX" b="1" dirty="0" err="1">
+                <a:solidFill>
+                  <a:schemeClr val="bg1"/>
+                </a:solidFill>
+              </a:rPr>
+              <a:t>already</a:t>
+            </a:r>
+            <a:r>
+              <a:rPr lang="es-MX" b="1" dirty="0">
+                <a:solidFill>
+                  <a:schemeClr val="bg1"/>
+                </a:solidFill>
+              </a:rPr>
+              <a:t> </a:t>
+            </a:r>
+            <a:r>
+              <a:rPr lang="es-MX" b="1" dirty="0" err="1">
+                <a:solidFill>
+                  <a:schemeClr val="bg1"/>
+                </a:solidFill>
+              </a:rPr>
+              <a:t>been</a:t>
+            </a:r>
+            <a:r>
+              <a:rPr lang="es-MX" b="1" dirty="0">
+                <a:solidFill>
+                  <a:schemeClr val="bg1"/>
+                </a:solidFill>
+              </a:rPr>
+              <a:t> </a:t>
+            </a:r>
+            <a:r>
+              <a:rPr lang="es-MX" b="1" dirty="0" err="1">
+                <a:solidFill>
+                  <a:schemeClr val="bg1"/>
+                </a:solidFill>
+              </a:rPr>
+              <a:t>processed</a:t>
+            </a:r>
+            <a:r>
+              <a:rPr lang="es-MX" b="1" dirty="0">
+                <a:solidFill>
+                  <a:schemeClr val="bg1"/>
+                </a:solidFill>
+              </a:rPr>
+              <a:t> </a:t>
+            </a:r>
+            <a:r>
+              <a:rPr lang="es-MX" b="1" dirty="0" err="1">
+                <a:solidFill>
+                  <a:schemeClr val="bg1"/>
+                </a:solidFill>
+              </a:rPr>
+              <a:t>previously</a:t>
+            </a:r>
+            <a:r>
+              <a:rPr lang="es-MX" b="1" dirty="0">
+                <a:solidFill>
+                  <a:schemeClr val="bg1"/>
+                </a:solidFill>
+              </a:rPr>
+              <a:t>.</a:t>
+            </a:r>
+          </a:p>
+        </p:txBody>
+      </p:sp>
+      <p:sp>
+        <p:nvSpPr>
+          <p:cNvPr id="3" name="Rectángulo 2">
+            <a:extLst>
+              <a:ext uri="{FF2B5EF4-FFF2-40B4-BE49-F238E27FC236}">
+                <a16:creationId xmlns:a16="http://schemas.microsoft.com/office/drawing/2014/main" id="{DE397D3D-6878-41F6-AAB7-955EEE0B947F}"/>
+              </a:ext>
+            </a:extLst>
+          </p:cNvPr>
+          <p:cNvSpPr/>
+          <p:nvPr/>
+        </p:nvSpPr>
+        <p:spPr>
+          <a:xfrm>
+            <a:off x="6096000" y="1914436"/>
+            <a:ext cx="6096000" cy="1200329"/>
+          </a:xfrm>
+          <a:prstGeom prst="rect">
+            <a:avLst/>
+          </a:prstGeom>
+        </p:spPr>
+        <p:txBody>
+          <a:bodyPr>
+            <a:spAutoFit/>
+          </a:bodyPr>
+          <a:lstStyle/>
+          <a:p>
+            <a:r>
+              <a:rPr lang="es-MX" b="1" dirty="0" err="1">
+                <a:solidFill>
+                  <a:schemeClr val="bg1"/>
+                </a:solidFill>
+              </a:rPr>
+              <a:t>ItemReader</a:t>
+            </a:r>
+            <a:r>
+              <a:rPr lang="es-MX" b="1" dirty="0">
+                <a:solidFill>
+                  <a:schemeClr val="bg1"/>
+                </a:solidFill>
+              </a:rPr>
+              <a:t>: </a:t>
+            </a:r>
+            <a:r>
+              <a:rPr lang="es-MX" b="1" dirty="0" err="1">
+                <a:solidFill>
+                  <a:schemeClr val="bg1"/>
+                </a:solidFill>
+              </a:rPr>
+              <a:t>Handles</a:t>
+            </a:r>
+            <a:r>
+              <a:rPr lang="es-MX" b="1" dirty="0">
+                <a:solidFill>
+                  <a:schemeClr val="bg1"/>
+                </a:solidFill>
+              </a:rPr>
+              <a:t> </a:t>
+            </a:r>
+            <a:r>
+              <a:rPr lang="es-MX" b="1" dirty="0" err="1">
+                <a:solidFill>
+                  <a:schemeClr val="bg1"/>
+                </a:solidFill>
+              </a:rPr>
+              <a:t>reading</a:t>
+            </a:r>
+            <a:r>
+              <a:rPr lang="es-MX" b="1" dirty="0">
+                <a:solidFill>
+                  <a:schemeClr val="bg1"/>
+                </a:solidFill>
+              </a:rPr>
+              <a:t> </a:t>
+            </a:r>
+            <a:r>
+              <a:rPr lang="es-MX" b="1" dirty="0" err="1">
+                <a:solidFill>
+                  <a:schemeClr val="bg1"/>
+                </a:solidFill>
+              </a:rPr>
+              <a:t>from</a:t>
+            </a:r>
+            <a:r>
+              <a:rPr lang="es-MX" b="1" dirty="0">
+                <a:solidFill>
+                  <a:schemeClr val="bg1"/>
+                </a:solidFill>
+              </a:rPr>
+              <a:t> </a:t>
+            </a:r>
+            <a:r>
+              <a:rPr lang="es-MX" b="1" dirty="0" err="1">
+                <a:solidFill>
+                  <a:schemeClr val="bg1"/>
+                </a:solidFill>
+              </a:rPr>
+              <a:t>batch</a:t>
+            </a:r>
+            <a:r>
+              <a:rPr lang="es-MX" b="1" dirty="0">
+                <a:solidFill>
+                  <a:schemeClr val="bg1"/>
+                </a:solidFill>
+              </a:rPr>
+              <a:t> </a:t>
+            </a:r>
+            <a:r>
+              <a:rPr lang="es-MX" b="1" dirty="0" err="1">
+                <a:solidFill>
+                  <a:schemeClr val="bg1"/>
+                </a:solidFill>
+              </a:rPr>
+              <a:t>processing</a:t>
+            </a:r>
+            <a:r>
+              <a:rPr lang="es-MX" b="1" dirty="0">
+                <a:solidFill>
+                  <a:schemeClr val="bg1"/>
+                </a:solidFill>
+              </a:rPr>
+              <a:t>. </a:t>
+            </a:r>
+            <a:r>
+              <a:rPr lang="es-MX" b="1" dirty="0" err="1">
+                <a:solidFill>
+                  <a:schemeClr val="bg1"/>
+                </a:solidFill>
+              </a:rPr>
+              <a:t>This</a:t>
+            </a:r>
+            <a:r>
+              <a:rPr lang="es-MX" b="1" dirty="0">
+                <a:solidFill>
+                  <a:schemeClr val="bg1"/>
+                </a:solidFill>
+              </a:rPr>
+              <a:t> </a:t>
+            </a:r>
+            <a:r>
+              <a:rPr lang="es-MX" b="1" dirty="0" err="1">
+                <a:solidFill>
+                  <a:schemeClr val="bg1"/>
+                </a:solidFill>
+              </a:rPr>
+              <a:t>reading</a:t>
+            </a:r>
+            <a:r>
+              <a:rPr lang="es-MX" b="1" dirty="0">
+                <a:solidFill>
+                  <a:schemeClr val="bg1"/>
+                </a:solidFill>
+              </a:rPr>
+              <a:t> can be, </a:t>
+            </a:r>
+            <a:r>
+              <a:rPr lang="es-MX" b="1" dirty="0" err="1">
+                <a:solidFill>
+                  <a:schemeClr val="bg1"/>
+                </a:solidFill>
+              </a:rPr>
+              <a:t>for</a:t>
+            </a:r>
+            <a:r>
+              <a:rPr lang="es-MX" b="1" dirty="0">
+                <a:solidFill>
+                  <a:schemeClr val="bg1"/>
+                </a:solidFill>
+              </a:rPr>
+              <a:t> </a:t>
+            </a:r>
+            <a:r>
+              <a:rPr lang="es-MX" b="1" dirty="0" err="1">
+                <a:solidFill>
+                  <a:schemeClr val="bg1"/>
+                </a:solidFill>
+              </a:rPr>
+              <a:t>example</a:t>
+            </a:r>
+            <a:r>
+              <a:rPr lang="es-MX" b="1" dirty="0">
+                <a:solidFill>
+                  <a:schemeClr val="bg1"/>
+                </a:solidFill>
+              </a:rPr>
+              <a:t>, </a:t>
+            </a:r>
+            <a:r>
+              <a:rPr lang="es-MX" b="1" dirty="0" err="1">
+                <a:solidFill>
+                  <a:schemeClr val="bg1"/>
+                </a:solidFill>
+              </a:rPr>
+              <a:t>from</a:t>
+            </a:r>
+            <a:r>
+              <a:rPr lang="es-MX" b="1" dirty="0">
+                <a:solidFill>
+                  <a:schemeClr val="bg1"/>
+                </a:solidFill>
+              </a:rPr>
+              <a:t> a </a:t>
+            </a:r>
+            <a:r>
+              <a:rPr lang="es-MX" b="1" dirty="0" err="1">
+                <a:solidFill>
+                  <a:schemeClr val="bg1"/>
+                </a:solidFill>
+              </a:rPr>
+              <a:t>database</a:t>
+            </a:r>
+            <a:r>
+              <a:rPr lang="es-MX" b="1" dirty="0">
+                <a:solidFill>
+                  <a:schemeClr val="bg1"/>
+                </a:solidFill>
+              </a:rPr>
+              <a:t>; </a:t>
+            </a:r>
+            <a:r>
+              <a:rPr lang="es-MX" b="1" dirty="0" err="1">
+                <a:solidFill>
+                  <a:schemeClr val="bg1"/>
+                </a:solidFill>
+              </a:rPr>
+              <a:t>Or</a:t>
+            </a:r>
+            <a:r>
+              <a:rPr lang="es-MX" b="1" dirty="0">
+                <a:solidFill>
+                  <a:schemeClr val="bg1"/>
+                </a:solidFill>
+              </a:rPr>
+              <a:t> </a:t>
+            </a:r>
+            <a:r>
+              <a:rPr lang="es-MX" b="1" dirty="0" err="1">
+                <a:solidFill>
+                  <a:schemeClr val="bg1"/>
+                </a:solidFill>
+              </a:rPr>
+              <a:t>it</a:t>
+            </a:r>
+            <a:r>
+              <a:rPr lang="es-MX" b="1" dirty="0">
+                <a:solidFill>
+                  <a:schemeClr val="bg1"/>
+                </a:solidFill>
+              </a:rPr>
+              <a:t> </a:t>
+            </a:r>
+            <a:r>
+              <a:rPr lang="es-MX" b="1" dirty="0" err="1">
+                <a:solidFill>
+                  <a:schemeClr val="bg1"/>
+                </a:solidFill>
+              </a:rPr>
+              <a:t>could</a:t>
+            </a:r>
+            <a:r>
+              <a:rPr lang="es-MX" b="1" dirty="0">
+                <a:solidFill>
+                  <a:schemeClr val="bg1"/>
+                </a:solidFill>
+              </a:rPr>
+              <a:t> </a:t>
+            </a:r>
+            <a:r>
+              <a:rPr lang="es-MX" b="1" dirty="0" err="1">
+                <a:solidFill>
+                  <a:schemeClr val="bg1"/>
+                </a:solidFill>
+              </a:rPr>
+              <a:t>also</a:t>
+            </a:r>
+            <a:r>
+              <a:rPr lang="es-MX" b="1" dirty="0">
+                <a:solidFill>
+                  <a:schemeClr val="bg1"/>
+                </a:solidFill>
+              </a:rPr>
+              <a:t> be </a:t>
+            </a:r>
+            <a:r>
+              <a:rPr lang="es-MX" b="1" dirty="0" err="1">
+                <a:solidFill>
+                  <a:schemeClr val="bg1"/>
+                </a:solidFill>
+              </a:rPr>
+              <a:t>from</a:t>
+            </a:r>
+            <a:r>
+              <a:rPr lang="es-MX" b="1" dirty="0">
+                <a:solidFill>
+                  <a:schemeClr val="bg1"/>
+                </a:solidFill>
+              </a:rPr>
+              <a:t> a </a:t>
+            </a:r>
+            <a:r>
+              <a:rPr lang="es-MX" b="1" dirty="0" err="1">
+                <a:solidFill>
+                  <a:schemeClr val="bg1"/>
+                </a:solidFill>
+              </a:rPr>
+              <a:t>message</a:t>
+            </a:r>
+            <a:r>
+              <a:rPr lang="es-MX" b="1" dirty="0">
+                <a:solidFill>
+                  <a:schemeClr val="bg1"/>
+                </a:solidFill>
+              </a:rPr>
+              <a:t> </a:t>
+            </a:r>
+            <a:r>
+              <a:rPr lang="es-MX" b="1" dirty="0" err="1">
+                <a:solidFill>
+                  <a:schemeClr val="bg1"/>
+                </a:solidFill>
+              </a:rPr>
+              <a:t>broker</a:t>
+            </a:r>
+            <a:r>
+              <a:rPr lang="es-MX" b="1" dirty="0">
+                <a:solidFill>
+                  <a:schemeClr val="bg1"/>
+                </a:solidFill>
+              </a:rPr>
+              <a:t> </a:t>
+            </a:r>
+            <a:r>
+              <a:rPr lang="es-MX" b="1" dirty="0" err="1">
+                <a:solidFill>
+                  <a:schemeClr val="bg1"/>
+                </a:solidFill>
+              </a:rPr>
+              <a:t>or</a:t>
+            </a:r>
+            <a:r>
+              <a:rPr lang="es-MX" b="1" dirty="0">
+                <a:solidFill>
+                  <a:schemeClr val="bg1"/>
+                </a:solidFill>
+              </a:rPr>
+              <a:t> a </a:t>
+            </a:r>
+            <a:r>
+              <a:rPr lang="es-MX" b="1" dirty="0" err="1">
+                <a:solidFill>
+                  <a:schemeClr val="bg1"/>
+                </a:solidFill>
+              </a:rPr>
+              <a:t>csv</a:t>
+            </a:r>
+            <a:r>
+              <a:rPr lang="es-MX" b="1" dirty="0">
+                <a:solidFill>
+                  <a:schemeClr val="bg1"/>
+                </a:solidFill>
+              </a:rPr>
+              <a:t>, </a:t>
+            </a:r>
+            <a:r>
+              <a:rPr lang="es-MX" b="1" dirty="0" err="1">
+                <a:solidFill>
+                  <a:schemeClr val="bg1"/>
+                </a:solidFill>
+              </a:rPr>
+              <a:t>xml</a:t>
+            </a:r>
+            <a:r>
+              <a:rPr lang="es-MX" b="1" dirty="0">
+                <a:solidFill>
+                  <a:schemeClr val="bg1"/>
+                </a:solidFill>
+              </a:rPr>
+              <a:t>, </a:t>
+            </a:r>
+            <a:r>
+              <a:rPr lang="es-MX" b="1" dirty="0" err="1">
+                <a:solidFill>
+                  <a:schemeClr val="bg1"/>
+                </a:solidFill>
+              </a:rPr>
+              <a:t>json</a:t>
+            </a:r>
+            <a:r>
+              <a:rPr lang="es-MX" b="1" dirty="0">
+                <a:solidFill>
+                  <a:schemeClr val="bg1"/>
+                </a:solidFill>
+              </a:rPr>
+              <a:t>, etc. file.</a:t>
+            </a:r>
+          </a:p>
+        </p:txBody>
+      </p:sp>
+      <p:sp>
+        <p:nvSpPr>
+          <p:cNvPr id="6" name="Rectángulo 5">
+            <a:extLst>
+              <a:ext uri="{FF2B5EF4-FFF2-40B4-BE49-F238E27FC236}">
+                <a16:creationId xmlns:a16="http://schemas.microsoft.com/office/drawing/2014/main" id="{F51F5437-7E87-48BC-83ED-5C308CBF7225}"/>
+              </a:ext>
+            </a:extLst>
+          </p:cNvPr>
+          <p:cNvSpPr/>
+          <p:nvPr/>
+        </p:nvSpPr>
+        <p:spPr>
+          <a:xfrm>
+            <a:off x="6096000" y="3418305"/>
+            <a:ext cx="6096000" cy="1200329"/>
+          </a:xfrm>
+          <a:prstGeom prst="rect">
+            <a:avLst/>
+          </a:prstGeom>
+        </p:spPr>
+        <p:txBody>
+          <a:bodyPr>
+            <a:spAutoFit/>
+          </a:bodyPr>
+          <a:lstStyle/>
+          <a:p>
+            <a:r>
+              <a:rPr lang="en-US" b="1" dirty="0" err="1">
+                <a:solidFill>
+                  <a:schemeClr val="bg1"/>
+                </a:solidFill>
+              </a:rPr>
+              <a:t>ItemProccessor</a:t>
+            </a:r>
+            <a:r>
+              <a:rPr lang="en-US" b="1" dirty="0">
+                <a:solidFill>
+                  <a:schemeClr val="bg1"/>
+                </a:solidFill>
+              </a:rPr>
+              <a:t>: is in charge of transforming previously read items. This transformation, in addition to including changes in the format, can include data filtering or business logic.</a:t>
+            </a:r>
+            <a:endParaRPr lang="es-MX" b="1" dirty="0">
+              <a:solidFill>
+                <a:schemeClr val="bg1"/>
+              </a:solidFill>
+            </a:endParaRPr>
+          </a:p>
+        </p:txBody>
+      </p:sp>
+      <p:sp>
+        <p:nvSpPr>
+          <p:cNvPr id="7" name="Rectángulo 6">
+            <a:extLst>
+              <a:ext uri="{FF2B5EF4-FFF2-40B4-BE49-F238E27FC236}">
+                <a16:creationId xmlns:a16="http://schemas.microsoft.com/office/drawing/2014/main" id="{98C9B5F5-891A-49FA-86E5-4A1CE7FBC5F5}"/>
+              </a:ext>
+            </a:extLst>
+          </p:cNvPr>
+          <p:cNvSpPr/>
+          <p:nvPr/>
+        </p:nvSpPr>
+        <p:spPr>
+          <a:xfrm>
+            <a:off x="6096000" y="5029201"/>
+            <a:ext cx="6096000" cy="1200329"/>
+          </a:xfrm>
+          <a:prstGeom prst="rect">
+            <a:avLst/>
+          </a:prstGeom>
+        </p:spPr>
+        <p:txBody>
+          <a:bodyPr>
+            <a:spAutoFit/>
+          </a:bodyPr>
+          <a:lstStyle/>
+          <a:p>
+            <a:r>
+              <a:rPr lang="es-MX" b="1" dirty="0" err="1">
+                <a:solidFill>
+                  <a:schemeClr val="bg1"/>
+                </a:solidFill>
+              </a:rPr>
+              <a:t>ItemWriter</a:t>
+            </a:r>
+            <a:r>
+              <a:rPr lang="es-MX" b="1" dirty="0">
+                <a:solidFill>
+                  <a:schemeClr val="bg1"/>
+                </a:solidFill>
+              </a:rPr>
+              <a:t>: este elemento es lo opuesto al </a:t>
+            </a:r>
+            <a:r>
+              <a:rPr lang="es-MX" b="1" dirty="0" err="1">
+                <a:solidFill>
+                  <a:schemeClr val="bg1"/>
+                </a:solidFill>
+              </a:rPr>
+              <a:t>itemReader</a:t>
+            </a:r>
+            <a:r>
+              <a:rPr lang="es-MX" b="1" dirty="0">
+                <a:solidFill>
+                  <a:schemeClr val="bg1"/>
+                </a:solidFill>
+              </a:rPr>
+              <a:t>. Se encarga de la escritura de los ítems. Esta puede ser inserciones en una base de datos, en un fichero </a:t>
+            </a:r>
+            <a:r>
+              <a:rPr lang="es-MX" b="1" dirty="0" err="1">
+                <a:solidFill>
+                  <a:schemeClr val="bg1"/>
+                </a:solidFill>
+              </a:rPr>
+              <a:t>csv</a:t>
+            </a:r>
+            <a:r>
+              <a:rPr lang="es-MX" b="1" dirty="0">
+                <a:solidFill>
+                  <a:schemeClr val="bg1"/>
+                </a:solidFill>
+              </a:rPr>
+              <a:t>, en un </a:t>
+            </a:r>
+            <a:r>
+              <a:rPr lang="es-MX" b="1" dirty="0" err="1">
+                <a:solidFill>
+                  <a:schemeClr val="bg1"/>
+                </a:solidFill>
+              </a:rPr>
+              <a:t>broker</a:t>
+            </a:r>
+            <a:r>
+              <a:rPr lang="es-MX" b="1" dirty="0">
+                <a:solidFill>
+                  <a:schemeClr val="bg1"/>
+                </a:solidFill>
+              </a:rPr>
+              <a:t> de mensajes, etc.</a:t>
+            </a:r>
+          </a:p>
+        </p:txBody>
+      </p:sp>
+      <p:sp>
+        <p:nvSpPr>
+          <p:cNvPr id="8" name="Rectangle 1">
+            <a:extLst>
+              <a:ext uri="{FF2B5EF4-FFF2-40B4-BE49-F238E27FC236}">
+                <a16:creationId xmlns:a16="http://schemas.microsoft.com/office/drawing/2014/main" id="{6744B7C3-F496-43FA-ABDB-3D78A00702BF}"/>
+              </a:ext>
+            </a:extLst>
+          </p:cNvPr>
+          <p:cNvSpPr>
+            <a:spLocks noChangeArrowheads="1"/>
+          </p:cNvSpPr>
+          <p:nvPr/>
+        </p:nvSpPr>
+        <p:spPr bwMode="auto">
+          <a:xfrm>
+            <a:off x="0" y="3609201"/>
+            <a:ext cx="4837043" cy="1200329"/>
+          </a:xfrm>
+          <a:prstGeom prst="rect">
+            <a:avLst/>
+          </a:prstGeom>
+          <a:noFill/>
+          <a:ln>
+            <a:noFill/>
+          </a:ln>
+          <a:effectLst/>
+          <a:extLst>
+            <a:ext uri="{909E8E84-426E-40DD-AFC4-6F175D3DCCD1}">
+              <a14:hiddenFill xmlns:a14="http://schemas.microsoft.com/office/drawing/2010/main">
+                <a:solidFill>
+                  <a:schemeClr val="accent1"/>
+                </a:solidFill>
+              </a14:hiddenFill>
+            </a:ext>
+            <a:ext uri="{91240B29-F687-4F45-9708-019B960494DF}">
+              <a14:hiddenLine xmlns:a14="http://schemas.microsoft.com/office/drawing/2010/main" w="9525">
+                <a:solidFill>
+                  <a:schemeClr val="tx1"/>
+                </a:solidFill>
+                <a:miter lim="800000"/>
+                <a:headEnd/>
+                <a:tailEnd/>
+              </a14:hiddenLine>
+            </a:ext>
+            <a:ext uri="{AF507438-7753-43E0-B8FC-AC1667EBCBE1}">
+              <a14:hiddenEffects xmlns:a14="http://schemas.microsoft.com/office/drawing/2010/main">
+                <a:effectLst>
+                  <a:outerShdw dist="35921" dir="2700000" algn="ctr" rotWithShape="0">
+                    <a:schemeClr val="bg2"/>
+                  </a:outerShdw>
+                </a:effectLst>
+              </a14:hiddenEffects>
+            </a:ext>
+          </a:extLst>
+        </p:spPr>
+        <p:txBody>
+          <a:bodyPr vert="horz" wrap="square" lIns="91440" tIns="45720" rIns="91440" bIns="45720" numCol="1" anchor="ctr" anchorCtr="0" compatLnSpc="1">
+            <a:prstTxWarp prst="textNoShape">
+              <a:avLst/>
+            </a:prstTxWarp>
+            <a:spAutoFit/>
+          </a:bodyPr>
+          <a:lstStyle/>
+          <a:p>
+            <a:pPr marL="0" marR="0" lvl="0" indent="0" algn="ctr" defTabSz="914400" rtl="0" eaLnBrk="0" fontAlgn="base" latinLnBrk="0" hangingPunct="0">
+              <a:lnSpc>
+                <a:spcPct val="100000"/>
+              </a:lnSpc>
+              <a:spcBef>
+                <a:spcPct val="0"/>
+              </a:spcBef>
+              <a:spcAft>
+                <a:spcPct val="0"/>
+              </a:spcAft>
+              <a:buClrTx/>
+              <a:buSzTx/>
+              <a:buFontTx/>
+              <a:buNone/>
+              <a:tabLst/>
+            </a:pPr>
+            <a:r>
+              <a:rPr kumimoji="0" lang="es-MX" altLang="es-MX" b="1" i="0" u="none" strike="noStrike" cap="none" normalizeH="0" baseline="0" dirty="0">
+                <a:ln>
+                  <a:noFill/>
+                </a:ln>
+                <a:solidFill>
+                  <a:schemeClr val="bg1"/>
+                </a:solidFill>
+                <a:effectLst/>
+                <a:latin typeface="Arial Unicode MS"/>
+              </a:rPr>
+              <a:t>A </a:t>
+            </a:r>
+            <a:r>
+              <a:rPr kumimoji="0" lang="es-MX" altLang="es-MX" b="1" i="0" u="none" strike="noStrike" cap="none" normalizeH="0" baseline="0" dirty="0" err="1">
+                <a:ln>
+                  <a:noFill/>
+                </a:ln>
+                <a:solidFill>
+                  <a:schemeClr val="bg1"/>
+                </a:solidFill>
+                <a:effectLst/>
+                <a:latin typeface="Arial Unicode MS"/>
+              </a:rPr>
+              <a:t>job</a:t>
+            </a:r>
+            <a:r>
+              <a:rPr kumimoji="0" lang="es-MX" altLang="es-MX" b="1" i="0" u="none" strike="noStrike" cap="none" normalizeH="0" baseline="0" dirty="0">
+                <a:ln>
+                  <a:noFill/>
+                </a:ln>
+                <a:solidFill>
+                  <a:schemeClr val="bg1"/>
+                </a:solidFill>
+                <a:effectLst/>
+                <a:latin typeface="Arial Unicode MS"/>
+              </a:rPr>
+              <a:t> </a:t>
+            </a:r>
+            <a:r>
+              <a:rPr kumimoji="0" lang="es-MX" altLang="es-MX" b="1" i="0" u="none" strike="noStrike" cap="none" normalizeH="0" baseline="0" dirty="0" err="1">
+                <a:ln>
+                  <a:noFill/>
+                </a:ln>
+                <a:solidFill>
+                  <a:schemeClr val="bg1"/>
+                </a:solidFill>
+                <a:effectLst/>
+                <a:latin typeface="Arial Unicode MS"/>
+              </a:rPr>
+              <a:t>is</a:t>
+            </a:r>
+            <a:r>
+              <a:rPr kumimoji="0" lang="es-MX" altLang="es-MX" b="1" i="0" u="none" strike="noStrike" cap="none" normalizeH="0" baseline="0" dirty="0">
+                <a:ln>
+                  <a:noFill/>
+                </a:ln>
+                <a:solidFill>
+                  <a:schemeClr val="bg1"/>
+                </a:solidFill>
+                <a:effectLst/>
+                <a:latin typeface="Arial Unicode MS"/>
+              </a:rPr>
+              <a:t> a block of </a:t>
+            </a:r>
+            <a:r>
+              <a:rPr kumimoji="0" lang="es-MX" altLang="es-MX" b="1" i="0" u="none" strike="noStrike" cap="none" normalizeH="0" baseline="0" dirty="0" err="1">
+                <a:ln>
+                  <a:noFill/>
+                </a:ln>
+                <a:solidFill>
+                  <a:schemeClr val="bg1"/>
+                </a:solidFill>
+                <a:effectLst/>
+                <a:latin typeface="Arial Unicode MS"/>
+              </a:rPr>
+              <a:t>work</a:t>
+            </a:r>
+            <a:r>
+              <a:rPr kumimoji="0" lang="es-MX" altLang="es-MX" b="1" i="0" u="none" strike="noStrike" cap="none" normalizeH="0" baseline="0" dirty="0">
+                <a:ln>
+                  <a:noFill/>
+                </a:ln>
+                <a:solidFill>
+                  <a:schemeClr val="bg1"/>
+                </a:solidFill>
+                <a:effectLst/>
+                <a:latin typeface="Arial Unicode MS"/>
+              </a:rPr>
+              <a:t> and </a:t>
+            </a:r>
+            <a:r>
+              <a:rPr kumimoji="0" lang="es-MX" altLang="es-MX" b="1" i="0" u="none" strike="noStrike" cap="none" normalizeH="0" baseline="0" dirty="0" err="1">
+                <a:ln>
+                  <a:noFill/>
+                </a:ln>
+                <a:solidFill>
+                  <a:schemeClr val="bg1"/>
+                </a:solidFill>
+                <a:effectLst/>
+                <a:latin typeface="Arial Unicode MS"/>
+              </a:rPr>
+              <a:t>is</a:t>
+            </a:r>
+            <a:r>
+              <a:rPr kumimoji="0" lang="es-MX" altLang="es-MX" b="1" i="0" u="none" strike="noStrike" cap="none" normalizeH="0" baseline="0" dirty="0">
+                <a:ln>
+                  <a:noFill/>
+                </a:ln>
+                <a:solidFill>
+                  <a:schemeClr val="bg1"/>
+                </a:solidFill>
+                <a:effectLst/>
+                <a:latin typeface="Arial Unicode MS"/>
+              </a:rPr>
+              <a:t> </a:t>
+            </a:r>
+            <a:r>
+              <a:rPr kumimoji="0" lang="es-MX" altLang="es-MX" b="1" i="0" u="none" strike="noStrike" cap="none" normalizeH="0" baseline="0" dirty="0" err="1">
+                <a:ln>
+                  <a:noFill/>
+                </a:ln>
+                <a:solidFill>
+                  <a:schemeClr val="bg1"/>
+                </a:solidFill>
+                <a:effectLst/>
+                <a:latin typeface="Arial Unicode MS"/>
+              </a:rPr>
+              <a:t>made</a:t>
+            </a:r>
+            <a:r>
+              <a:rPr kumimoji="0" lang="es-MX" altLang="es-MX" b="1" i="0" u="none" strike="noStrike" cap="none" normalizeH="0" baseline="0" dirty="0">
+                <a:ln>
+                  <a:noFill/>
+                </a:ln>
+                <a:solidFill>
+                  <a:schemeClr val="bg1"/>
+                </a:solidFill>
+                <a:effectLst/>
+                <a:latin typeface="Arial Unicode MS"/>
+              </a:rPr>
+              <a:t> up of </a:t>
+            </a:r>
+            <a:r>
+              <a:rPr kumimoji="0" lang="es-MX" altLang="es-MX" b="1" i="0" u="none" strike="noStrike" cap="none" normalizeH="0" baseline="0" dirty="0" err="1">
+                <a:ln>
+                  <a:noFill/>
+                </a:ln>
+                <a:solidFill>
+                  <a:schemeClr val="bg1"/>
+                </a:solidFill>
+                <a:effectLst/>
+                <a:latin typeface="Arial Unicode MS"/>
+              </a:rPr>
+              <a:t>one</a:t>
+            </a:r>
+            <a:r>
+              <a:rPr kumimoji="0" lang="es-MX" altLang="es-MX" b="1" i="0" u="none" strike="noStrike" cap="none" normalizeH="0" baseline="0" dirty="0">
+                <a:ln>
+                  <a:noFill/>
+                </a:ln>
+                <a:solidFill>
+                  <a:schemeClr val="bg1"/>
+                </a:solidFill>
+                <a:effectLst/>
+                <a:latin typeface="Arial Unicode MS"/>
+              </a:rPr>
+              <a:t> </a:t>
+            </a:r>
+            <a:r>
+              <a:rPr kumimoji="0" lang="es-MX" altLang="es-MX" b="1" i="0" u="none" strike="noStrike" cap="none" normalizeH="0" baseline="0" dirty="0" err="1">
+                <a:ln>
+                  <a:noFill/>
+                </a:ln>
+                <a:solidFill>
+                  <a:schemeClr val="bg1"/>
+                </a:solidFill>
+                <a:effectLst/>
+                <a:latin typeface="Arial Unicode MS"/>
+              </a:rPr>
+              <a:t>or</a:t>
+            </a:r>
+            <a:r>
+              <a:rPr kumimoji="0" lang="es-MX" altLang="es-MX" b="1" i="0" u="none" strike="noStrike" cap="none" normalizeH="0" baseline="0" dirty="0">
+                <a:ln>
+                  <a:noFill/>
+                </a:ln>
+                <a:solidFill>
+                  <a:schemeClr val="bg1"/>
+                </a:solidFill>
+                <a:effectLst/>
+                <a:latin typeface="Arial Unicode MS"/>
+              </a:rPr>
+              <a:t> </a:t>
+            </a:r>
+            <a:r>
+              <a:rPr kumimoji="0" lang="es-MX" altLang="es-MX" b="1" i="0" u="none" strike="noStrike" cap="none" normalizeH="0" baseline="0" dirty="0" err="1">
+                <a:ln>
+                  <a:noFill/>
+                </a:ln>
+                <a:solidFill>
+                  <a:schemeClr val="bg1"/>
+                </a:solidFill>
+                <a:effectLst/>
+                <a:latin typeface="Arial Unicode MS"/>
+              </a:rPr>
+              <a:t>several</a:t>
+            </a:r>
+            <a:r>
+              <a:rPr kumimoji="0" lang="es-MX" altLang="es-MX" b="1" i="0" u="none" strike="noStrike" cap="none" normalizeH="0" baseline="0" dirty="0">
+                <a:ln>
+                  <a:noFill/>
+                </a:ln>
+                <a:solidFill>
+                  <a:schemeClr val="bg1"/>
+                </a:solidFill>
+                <a:effectLst/>
+                <a:latin typeface="Arial Unicode MS"/>
+              </a:rPr>
+              <a:t> </a:t>
+            </a:r>
+            <a:r>
+              <a:rPr kumimoji="0" lang="es-MX" altLang="es-MX" b="1" i="0" u="none" strike="noStrike" cap="none" normalizeH="0" baseline="0" dirty="0" err="1">
+                <a:ln>
+                  <a:noFill/>
+                </a:ln>
+                <a:solidFill>
+                  <a:schemeClr val="bg1"/>
+                </a:solidFill>
+                <a:effectLst/>
+                <a:latin typeface="Arial Unicode MS"/>
+              </a:rPr>
+              <a:t>steps</a:t>
+            </a:r>
+            <a:r>
+              <a:rPr kumimoji="0" lang="es-MX" altLang="es-MX" b="1" i="0" u="none" strike="noStrike" cap="none" normalizeH="0" baseline="0" dirty="0">
+                <a:ln>
+                  <a:noFill/>
+                </a:ln>
+                <a:solidFill>
+                  <a:schemeClr val="bg1"/>
+                </a:solidFill>
+                <a:effectLst/>
+                <a:latin typeface="Arial Unicode MS"/>
+              </a:rPr>
+              <a:t>. Once </a:t>
+            </a:r>
+            <a:r>
+              <a:rPr kumimoji="0" lang="es-MX" altLang="es-MX" b="1" i="0" u="none" strike="noStrike" cap="none" normalizeH="0" baseline="0" dirty="0" err="1">
+                <a:ln>
+                  <a:noFill/>
+                </a:ln>
+                <a:solidFill>
+                  <a:schemeClr val="bg1"/>
+                </a:solidFill>
+                <a:effectLst/>
+                <a:latin typeface="Arial Unicode MS"/>
+              </a:rPr>
+              <a:t>all</a:t>
+            </a:r>
+            <a:r>
+              <a:rPr kumimoji="0" lang="es-MX" altLang="es-MX" b="1" i="0" u="none" strike="noStrike" cap="none" normalizeH="0" baseline="0" dirty="0">
+                <a:ln>
+                  <a:noFill/>
+                </a:ln>
+                <a:solidFill>
+                  <a:schemeClr val="bg1"/>
+                </a:solidFill>
+                <a:effectLst/>
+                <a:latin typeface="Arial Unicode MS"/>
+              </a:rPr>
+              <a:t> </a:t>
+            </a:r>
+            <a:r>
+              <a:rPr kumimoji="0" lang="es-MX" altLang="es-MX" b="1" i="0" u="none" strike="noStrike" cap="none" normalizeH="0" baseline="0" dirty="0" err="1">
+                <a:ln>
+                  <a:noFill/>
+                </a:ln>
+                <a:solidFill>
+                  <a:schemeClr val="bg1"/>
+                </a:solidFill>
+                <a:effectLst/>
+                <a:latin typeface="Arial Unicode MS"/>
+              </a:rPr>
+              <a:t>these</a:t>
+            </a:r>
+            <a:r>
+              <a:rPr kumimoji="0" lang="es-MX" altLang="es-MX" b="1" i="0" u="none" strike="noStrike" cap="none" normalizeH="0" baseline="0" dirty="0">
+                <a:ln>
+                  <a:noFill/>
+                </a:ln>
+                <a:solidFill>
+                  <a:schemeClr val="bg1"/>
+                </a:solidFill>
+                <a:effectLst/>
+                <a:latin typeface="Arial Unicode MS"/>
+              </a:rPr>
+              <a:t> </a:t>
+            </a:r>
+            <a:r>
+              <a:rPr kumimoji="0" lang="es-MX" altLang="es-MX" b="1" i="0" u="none" strike="noStrike" cap="none" normalizeH="0" baseline="0" dirty="0" err="1">
+                <a:ln>
+                  <a:noFill/>
+                </a:ln>
+                <a:solidFill>
+                  <a:schemeClr val="bg1"/>
+                </a:solidFill>
+                <a:effectLst/>
+                <a:latin typeface="Arial Unicode MS"/>
+              </a:rPr>
+              <a:t>steps</a:t>
+            </a:r>
+            <a:r>
+              <a:rPr kumimoji="0" lang="es-MX" altLang="es-MX" b="1" i="0" u="none" strike="noStrike" cap="none" normalizeH="0" baseline="0" dirty="0">
+                <a:ln>
+                  <a:noFill/>
+                </a:ln>
+                <a:solidFill>
+                  <a:schemeClr val="bg1"/>
+                </a:solidFill>
+                <a:effectLst/>
+                <a:latin typeface="Arial Unicode MS"/>
+              </a:rPr>
+              <a:t> </a:t>
+            </a:r>
+            <a:r>
+              <a:rPr kumimoji="0" lang="es-MX" altLang="es-MX" b="1" i="0" u="none" strike="noStrike" cap="none" normalizeH="0" baseline="0" dirty="0" err="1">
+                <a:ln>
+                  <a:noFill/>
+                </a:ln>
+                <a:solidFill>
+                  <a:schemeClr val="bg1"/>
+                </a:solidFill>
+                <a:effectLst/>
+                <a:latin typeface="Arial Unicode MS"/>
+              </a:rPr>
+              <a:t>have</a:t>
+            </a:r>
+            <a:r>
+              <a:rPr kumimoji="0" lang="es-MX" altLang="es-MX" b="1" i="0" u="none" strike="noStrike" cap="none" normalizeH="0" baseline="0" dirty="0">
+                <a:ln>
+                  <a:noFill/>
+                </a:ln>
+                <a:solidFill>
+                  <a:schemeClr val="bg1"/>
+                </a:solidFill>
+                <a:effectLst/>
+                <a:latin typeface="Arial Unicode MS"/>
+              </a:rPr>
+              <a:t> </a:t>
+            </a:r>
+            <a:r>
+              <a:rPr kumimoji="0" lang="es-MX" altLang="es-MX" b="1" i="0" u="none" strike="noStrike" cap="none" normalizeH="0" baseline="0" dirty="0" err="1">
+                <a:ln>
+                  <a:noFill/>
+                </a:ln>
+                <a:solidFill>
+                  <a:schemeClr val="bg1"/>
+                </a:solidFill>
+                <a:effectLst/>
+                <a:latin typeface="Arial Unicode MS"/>
+              </a:rPr>
+              <a:t>been</a:t>
+            </a:r>
+            <a:r>
+              <a:rPr kumimoji="0" lang="es-MX" altLang="es-MX" b="1" i="0" u="none" strike="noStrike" cap="none" normalizeH="0" baseline="0" dirty="0">
+                <a:ln>
+                  <a:noFill/>
+                </a:ln>
+                <a:solidFill>
+                  <a:schemeClr val="bg1"/>
+                </a:solidFill>
+                <a:effectLst/>
+                <a:latin typeface="Arial Unicode MS"/>
+              </a:rPr>
+              <a:t> </a:t>
+            </a:r>
+            <a:r>
+              <a:rPr kumimoji="0" lang="es-MX" altLang="es-MX" b="1" i="0" u="none" strike="noStrike" cap="none" normalizeH="0" baseline="0" dirty="0" err="1">
+                <a:ln>
+                  <a:noFill/>
+                </a:ln>
+                <a:solidFill>
+                  <a:schemeClr val="bg1"/>
+                </a:solidFill>
+                <a:effectLst/>
+                <a:latin typeface="Arial Unicode MS"/>
+              </a:rPr>
+              <a:t>carried</a:t>
+            </a:r>
+            <a:r>
+              <a:rPr kumimoji="0" lang="es-MX" altLang="es-MX" b="1" i="0" u="none" strike="noStrike" cap="none" normalizeH="0" baseline="0" dirty="0">
+                <a:ln>
+                  <a:noFill/>
+                </a:ln>
+                <a:solidFill>
+                  <a:schemeClr val="bg1"/>
+                </a:solidFill>
+                <a:effectLst/>
+                <a:latin typeface="Arial Unicode MS"/>
+              </a:rPr>
+              <a:t> </a:t>
+            </a:r>
+            <a:r>
+              <a:rPr kumimoji="0" lang="es-MX" altLang="es-MX" b="1" i="0" u="none" strike="noStrike" cap="none" normalizeH="0" baseline="0" dirty="0" err="1">
+                <a:ln>
+                  <a:noFill/>
+                </a:ln>
+                <a:solidFill>
+                  <a:schemeClr val="bg1"/>
+                </a:solidFill>
+                <a:effectLst/>
+                <a:latin typeface="Arial Unicode MS"/>
+              </a:rPr>
+              <a:t>out</a:t>
+            </a:r>
+            <a:r>
+              <a:rPr kumimoji="0" lang="es-MX" altLang="es-MX" b="1" i="0" u="none" strike="noStrike" cap="none" normalizeH="0" baseline="0" dirty="0">
+                <a:ln>
+                  <a:noFill/>
+                </a:ln>
+                <a:solidFill>
+                  <a:schemeClr val="bg1"/>
+                </a:solidFill>
+                <a:effectLst/>
+                <a:latin typeface="Arial Unicode MS"/>
+              </a:rPr>
+              <a:t>, </a:t>
+            </a:r>
+            <a:r>
+              <a:rPr kumimoji="0" lang="es-MX" altLang="es-MX" b="1" i="0" u="none" strike="noStrike" cap="none" normalizeH="0" baseline="0" dirty="0" err="1">
+                <a:ln>
+                  <a:noFill/>
+                </a:ln>
+                <a:solidFill>
+                  <a:schemeClr val="bg1"/>
+                </a:solidFill>
+                <a:effectLst/>
+                <a:latin typeface="Arial Unicode MS"/>
+              </a:rPr>
+              <a:t>the</a:t>
+            </a:r>
+            <a:r>
+              <a:rPr kumimoji="0" lang="es-MX" altLang="es-MX" b="1" i="0" u="none" strike="noStrike" cap="none" normalizeH="0" baseline="0" dirty="0">
+                <a:ln>
+                  <a:noFill/>
+                </a:ln>
+                <a:solidFill>
+                  <a:schemeClr val="bg1"/>
+                </a:solidFill>
+                <a:effectLst/>
+                <a:latin typeface="Arial Unicode MS"/>
+              </a:rPr>
+              <a:t> </a:t>
+            </a:r>
+            <a:r>
+              <a:rPr kumimoji="0" lang="es-MX" altLang="es-MX" b="1" i="0" u="none" strike="noStrike" cap="none" normalizeH="0" baseline="0" dirty="0" err="1">
+                <a:ln>
+                  <a:noFill/>
+                </a:ln>
+                <a:solidFill>
+                  <a:schemeClr val="bg1"/>
+                </a:solidFill>
+                <a:effectLst/>
+                <a:latin typeface="Arial Unicode MS"/>
+              </a:rPr>
+              <a:t>job</a:t>
+            </a:r>
+            <a:r>
+              <a:rPr kumimoji="0" lang="es-MX" altLang="es-MX" b="1" i="0" u="none" strike="noStrike" cap="none" normalizeH="0" baseline="0" dirty="0">
+                <a:ln>
+                  <a:noFill/>
+                </a:ln>
+                <a:solidFill>
+                  <a:schemeClr val="bg1"/>
+                </a:solidFill>
+                <a:effectLst/>
+                <a:latin typeface="Arial Unicode MS"/>
+              </a:rPr>
+              <a:t> </a:t>
+            </a:r>
+            <a:r>
+              <a:rPr kumimoji="0" lang="es-MX" altLang="es-MX" b="1" i="0" u="none" strike="noStrike" cap="none" normalizeH="0" baseline="0" dirty="0" err="1">
+                <a:ln>
+                  <a:noFill/>
+                </a:ln>
+                <a:solidFill>
+                  <a:schemeClr val="bg1"/>
+                </a:solidFill>
+                <a:effectLst/>
+                <a:latin typeface="Arial Unicode MS"/>
+              </a:rPr>
+              <a:t>is</a:t>
+            </a:r>
+            <a:r>
+              <a:rPr kumimoji="0" lang="es-MX" altLang="es-MX" b="1" i="0" u="none" strike="noStrike" cap="none" normalizeH="0" baseline="0" dirty="0">
+                <a:ln>
+                  <a:noFill/>
+                </a:ln>
+                <a:solidFill>
+                  <a:schemeClr val="bg1"/>
+                </a:solidFill>
+                <a:effectLst/>
+                <a:latin typeface="Arial Unicode MS"/>
+              </a:rPr>
+              <a:t> </a:t>
+            </a:r>
+            <a:r>
+              <a:rPr kumimoji="0" lang="es-MX" altLang="es-MX" b="1" i="0" u="none" strike="noStrike" cap="none" normalizeH="0" baseline="0" dirty="0" err="1">
+                <a:ln>
+                  <a:noFill/>
+                </a:ln>
+                <a:solidFill>
+                  <a:schemeClr val="bg1"/>
+                </a:solidFill>
+                <a:effectLst/>
+                <a:latin typeface="Arial Unicode MS"/>
+              </a:rPr>
+              <a:t>considered</a:t>
+            </a:r>
+            <a:r>
+              <a:rPr kumimoji="0" lang="es-MX" altLang="es-MX" b="1" i="0" u="none" strike="noStrike" cap="none" normalizeH="0" baseline="0" dirty="0">
+                <a:ln>
+                  <a:noFill/>
+                </a:ln>
+                <a:solidFill>
+                  <a:schemeClr val="bg1"/>
+                </a:solidFill>
+                <a:effectLst/>
+                <a:latin typeface="Arial Unicode MS"/>
+              </a:rPr>
+              <a:t> complete.</a:t>
+            </a:r>
+            <a:endParaRPr kumimoji="0" lang="es-MX" altLang="es-MX" sz="4000" b="1" i="0" u="none" strike="noStrike" cap="none" normalizeH="0" baseline="0" dirty="0">
+              <a:ln>
+                <a:noFill/>
+              </a:ln>
+              <a:solidFill>
+                <a:schemeClr val="bg1"/>
+              </a:solidFill>
+              <a:effectLst/>
+              <a:latin typeface="Arial" panose="020B0604020202020204" pitchFamily="34" charset="0"/>
+            </a:endParaRPr>
+          </a:p>
+        </p:txBody>
+      </p:sp>
+      <p:sp>
+        <p:nvSpPr>
+          <p:cNvPr id="9" name="Flecha: a la derecha 8">
+            <a:extLst>
+              <a:ext uri="{FF2B5EF4-FFF2-40B4-BE49-F238E27FC236}">
+                <a16:creationId xmlns:a16="http://schemas.microsoft.com/office/drawing/2014/main" id="{C2F89352-BE86-4E08-BC41-5C024BB6F50F}"/>
+              </a:ext>
+            </a:extLst>
+          </p:cNvPr>
+          <p:cNvSpPr/>
+          <p:nvPr/>
+        </p:nvSpPr>
+        <p:spPr>
+          <a:xfrm rot="20051416">
+            <a:off x="4704521" y="2727288"/>
+            <a:ext cx="1139687" cy="710000"/>
+          </a:xfrm>
+          <a:prstGeom prst="rightArrow">
+            <a:avLst/>
+          </a:prstGeom>
+        </p:spPr>
+        <p:style>
+          <a:lnRef idx="2">
+            <a:schemeClr val="accent1">
+              <a:shade val="50000"/>
+            </a:schemeClr>
+          </a:lnRef>
+          <a:fillRef idx="1">
+            <a:schemeClr val="accent1"/>
+          </a:fillRef>
+          <a:effectRef idx="0">
+            <a:schemeClr val="accent1"/>
+          </a:effectRef>
+          <a:fontRef idx="minor">
+            <a:schemeClr val="lt1"/>
+          </a:fontRef>
+        </p:style>
+        <p:txBody>
+          <a:bodyPr rtlCol="0" anchor="ctr"/>
+          <a:lstStyle/>
+          <a:p>
+            <a:pPr algn="ctr"/>
+            <a:endParaRPr lang="es-MX"/>
+          </a:p>
+        </p:txBody>
+      </p:sp>
+      <p:sp>
+        <p:nvSpPr>
+          <p:cNvPr id="10" name="Flecha: a la derecha 9">
+            <a:extLst>
+              <a:ext uri="{FF2B5EF4-FFF2-40B4-BE49-F238E27FC236}">
+                <a16:creationId xmlns:a16="http://schemas.microsoft.com/office/drawing/2014/main" id="{B4D5B869-40DF-4BF4-8A7C-860040DE312F}"/>
+              </a:ext>
+            </a:extLst>
+          </p:cNvPr>
+          <p:cNvSpPr/>
+          <p:nvPr/>
+        </p:nvSpPr>
+        <p:spPr>
+          <a:xfrm>
+            <a:off x="4879275" y="3618647"/>
+            <a:ext cx="1139687" cy="710000"/>
+          </a:xfrm>
+          <a:prstGeom prst="rightArrow">
+            <a:avLst/>
+          </a:prstGeom>
+        </p:spPr>
+        <p:style>
+          <a:lnRef idx="2">
+            <a:schemeClr val="accent1">
+              <a:shade val="50000"/>
+            </a:schemeClr>
+          </a:lnRef>
+          <a:fillRef idx="1">
+            <a:schemeClr val="accent1"/>
+          </a:fillRef>
+          <a:effectRef idx="0">
+            <a:schemeClr val="accent1"/>
+          </a:effectRef>
+          <a:fontRef idx="minor">
+            <a:schemeClr val="lt1"/>
+          </a:fontRef>
+        </p:style>
+        <p:txBody>
+          <a:bodyPr rtlCol="0" anchor="ctr"/>
+          <a:lstStyle/>
+          <a:p>
+            <a:pPr algn="ctr"/>
+            <a:endParaRPr lang="es-MX"/>
+          </a:p>
+        </p:txBody>
+      </p:sp>
+      <p:sp>
+        <p:nvSpPr>
+          <p:cNvPr id="11" name="Flecha: a la derecha 10">
+            <a:extLst>
+              <a:ext uri="{FF2B5EF4-FFF2-40B4-BE49-F238E27FC236}">
+                <a16:creationId xmlns:a16="http://schemas.microsoft.com/office/drawing/2014/main" id="{B543631C-24AB-4868-84AC-B0D771C01268}"/>
+              </a:ext>
+            </a:extLst>
+          </p:cNvPr>
+          <p:cNvSpPr/>
+          <p:nvPr/>
+        </p:nvSpPr>
+        <p:spPr>
+          <a:xfrm rot="2123493">
+            <a:off x="4778971" y="4508858"/>
+            <a:ext cx="1139687" cy="710000"/>
+          </a:xfrm>
+          <a:prstGeom prst="rightArrow">
+            <a:avLst/>
+          </a:prstGeom>
+        </p:spPr>
+        <p:style>
+          <a:lnRef idx="2">
+            <a:schemeClr val="accent1">
+              <a:shade val="50000"/>
+            </a:schemeClr>
+          </a:lnRef>
+          <a:fillRef idx="1">
+            <a:schemeClr val="accent1"/>
+          </a:fillRef>
+          <a:effectRef idx="0">
+            <a:schemeClr val="accent1"/>
+          </a:effectRef>
+          <a:fontRef idx="minor">
+            <a:schemeClr val="lt1"/>
+          </a:fontRef>
+        </p:style>
+        <p:txBody>
+          <a:bodyPr rtlCol="0" anchor="ctr"/>
+          <a:lstStyle/>
+          <a:p>
+            <a:pPr algn="ctr"/>
+            <a:endParaRPr lang="es-MX"/>
+          </a:p>
+        </p:txBody>
+      </p:sp>
+    </p:spTree>
+    <p:extLst>
+      <p:ext uri="{BB962C8B-B14F-4D97-AF65-F5344CB8AC3E}">
+        <p14:creationId xmlns:p14="http://schemas.microsoft.com/office/powerpoint/2010/main" val="4290311855"/>
       </p:ext>
     </p:extLst>
   </p:cSld>
